--- a/Go编程基础-课堂讲义.pptx
+++ b/Go编程基础-课堂讲义.pptx
@@ -6,7 +6,9 @@
   </p:sldMasterIdLst>
   <p:sldIdLst>
     <p:sldId id="256" r:id="rId2"/>
-    <p:sldId id="257" r:id="rId3"/>
+    <p:sldId id="258" r:id="rId3"/>
+    <p:sldId id="259" r:id="rId4"/>
+    <p:sldId id="257" r:id="rId5"/>
   </p:sldIdLst>
   <p:sldSz cx="9144000" cy="6858000" type="screen4x3"/>
   <p:notesSz cx="6858000" cy="9144000"/>
@@ -300,7 +302,7 @@
           <a:p>
             <a:fld id="{530820CF-B880-4189-942D-D702A7CBA730}" type="datetimeFigureOut">
               <a:rPr lang="zh-CN" altLang="en-US" smtClean="0"/>
-              <a:t>2013/3/20</a:t>
+              <a:t>2013/3/21</a:t>
             </a:fld>
             <a:endParaRPr lang="zh-CN" altLang="en-US"/>
           </a:p>
@@ -465,7 +467,7 @@
           <a:p>
             <a:fld id="{530820CF-B880-4189-942D-D702A7CBA730}" type="datetimeFigureOut">
               <a:rPr lang="zh-CN" altLang="en-US" smtClean="0"/>
-              <a:t>2013/3/20</a:t>
+              <a:t>2013/3/21</a:t>
             </a:fld>
             <a:endParaRPr lang="zh-CN" altLang="en-US"/>
           </a:p>
@@ -640,7 +642,7 @@
           <a:p>
             <a:fld id="{530820CF-B880-4189-942D-D702A7CBA730}" type="datetimeFigureOut">
               <a:rPr lang="zh-CN" altLang="en-US" smtClean="0"/>
-              <a:t>2013/3/20</a:t>
+              <a:t>2013/3/21</a:t>
             </a:fld>
             <a:endParaRPr lang="zh-CN" altLang="en-US"/>
           </a:p>
@@ -823,7 +825,7 @@
           <a:p>
             <a:fld id="{530820CF-B880-4189-942D-D702A7CBA730}" type="datetimeFigureOut">
               <a:rPr lang="zh-CN" altLang="en-US" smtClean="0"/>
-              <a:t>2013/3/20</a:t>
+              <a:t>2013/3/21</a:t>
             </a:fld>
             <a:endParaRPr lang="zh-CN" altLang="en-US"/>
           </a:p>
@@ -1085,7 +1087,7 @@
           <a:p>
             <a:fld id="{530820CF-B880-4189-942D-D702A7CBA730}" type="datetimeFigureOut">
               <a:rPr lang="zh-CN" altLang="en-US" smtClean="0"/>
-              <a:t>2013/3/20</a:t>
+              <a:t>2013/3/21</a:t>
             </a:fld>
             <a:endParaRPr lang="zh-CN" altLang="en-US"/>
           </a:p>
@@ -1433,7 +1435,7 @@
           <a:p>
             <a:fld id="{530820CF-B880-4189-942D-D702A7CBA730}" type="datetimeFigureOut">
               <a:rPr lang="zh-CN" altLang="en-US" smtClean="0"/>
-              <a:t>2013/3/20</a:t>
+              <a:t>2013/3/21</a:t>
             </a:fld>
             <a:endParaRPr lang="zh-CN" altLang="en-US"/>
           </a:p>
@@ -1741,7 +1743,7 @@
           <a:p>
             <a:fld id="{530820CF-B880-4189-942D-D702A7CBA730}" type="datetimeFigureOut">
               <a:rPr lang="zh-CN" altLang="en-US" smtClean="0"/>
-              <a:t>2013/3/20</a:t>
+              <a:t>2013/3/21</a:t>
             </a:fld>
             <a:endParaRPr lang="zh-CN" altLang="en-US"/>
           </a:p>
@@ -1968,7 +1970,7 @@
           <a:p>
             <a:fld id="{530820CF-B880-4189-942D-D702A7CBA730}" type="datetimeFigureOut">
               <a:rPr lang="zh-CN" altLang="en-US" smtClean="0"/>
-              <a:t>2013/3/20</a:t>
+              <a:t>2013/3/21</a:t>
             </a:fld>
             <a:endParaRPr lang="zh-CN" altLang="en-US"/>
           </a:p>
@@ -2058,7 +2060,7 @@
           <a:p>
             <a:fld id="{530820CF-B880-4189-942D-D702A7CBA730}" type="datetimeFigureOut">
               <a:rPr lang="zh-CN" altLang="en-US" smtClean="0"/>
-              <a:t>2013/3/20</a:t>
+              <a:t>2013/3/21</a:t>
             </a:fld>
             <a:endParaRPr lang="zh-CN" altLang="en-US"/>
           </a:p>
@@ -2346,7 +2348,7 @@
           <a:p>
             <a:fld id="{530820CF-B880-4189-942D-D702A7CBA730}" type="datetimeFigureOut">
               <a:rPr lang="zh-CN" altLang="en-US" smtClean="0"/>
-              <a:t>2013/3/20</a:t>
+              <a:t>2013/3/21</a:t>
             </a:fld>
             <a:endParaRPr lang="zh-CN" altLang="en-US"/>
           </a:p>
@@ -2615,7 +2617,7 @@
           <a:p>
             <a:fld id="{530820CF-B880-4189-942D-D702A7CBA730}" type="datetimeFigureOut">
               <a:rPr lang="zh-CN" altLang="en-US" smtClean="0"/>
-              <a:t>2013/3/20</a:t>
+              <a:t>2013/3/21</a:t>
             </a:fld>
             <a:endParaRPr lang="zh-CN" altLang="en-US"/>
           </a:p>
@@ -2825,7 +2827,7 @@
           <a:p>
             <a:fld id="{530820CF-B880-4189-942D-D702A7CBA730}" type="datetimeFigureOut">
               <a:rPr lang="zh-CN" altLang="en-US" smtClean="0"/>
-              <a:t>2013/3/20</a:t>
+              <a:t>2013/3/21</a:t>
             </a:fld>
             <a:endParaRPr lang="zh-CN" altLang="en-US"/>
           </a:p>
@@ -3411,6 +3413,431 @@
           </a:p>
         </p:txBody>
       </p:sp>
+      <p:sp>
+        <p:nvSpPr>
+          <p:cNvPr id="4" name="TextBox 3"/>
+          <p:cNvSpPr txBox="1"/>
+          <p:nvPr/>
+        </p:nvSpPr>
+        <p:spPr>
+          <a:xfrm>
+            <a:off x="611560" y="1581826"/>
+            <a:ext cx="8191666" cy="4093428"/>
+          </a:xfrm>
+          <a:prstGeom prst="rect">
+            <a:avLst/>
+          </a:prstGeom>
+          <a:noFill/>
+        </p:spPr>
+        <p:txBody>
+          <a:bodyPr wrap="none" rtlCol="0">
+            <a:spAutoFit/>
+          </a:bodyPr>
+          <a:lstStyle/>
+          <a:p>
+            <a:r>
+              <a:rPr lang="zh-CN" altLang="en-US" sz="2000" dirty="0" smtClean="0">
+                <a:latin typeface="微软雅黑" pitchFamily="34" charset="-122"/>
+                <a:ea typeface="微软雅黑" pitchFamily="34" charset="-122"/>
+              </a:rPr>
+              <a:t>什么是</a:t>
+            </a:r>
+            <a:r>
+              <a:rPr lang="en-US" altLang="zh-CN" sz="2000" dirty="0" smtClean="0">
+                <a:latin typeface="微软雅黑" pitchFamily="34" charset="-122"/>
+                <a:ea typeface="微软雅黑" pitchFamily="34" charset="-122"/>
+              </a:rPr>
+              <a:t>Go</a:t>
+            </a:r>
+            <a:r>
+              <a:rPr lang="zh-CN" altLang="en-US" sz="2000" dirty="0" smtClean="0">
+                <a:latin typeface="微软雅黑" pitchFamily="34" charset="-122"/>
+                <a:ea typeface="微软雅黑" pitchFamily="34" charset="-122"/>
+              </a:rPr>
+              <a:t>？</a:t>
+            </a:r>
+            <a:endParaRPr lang="en-US" altLang="zh-CN" sz="2000" dirty="0" smtClean="0">
+              <a:latin typeface="微软雅黑" pitchFamily="34" charset="-122"/>
+              <a:ea typeface="微软雅黑" pitchFamily="34" charset="-122"/>
+            </a:endParaRPr>
+          </a:p>
+          <a:p>
+            <a:endParaRPr lang="en-US" altLang="zh-CN" sz="2000" dirty="0" smtClean="0">
+              <a:latin typeface="微软雅黑" pitchFamily="34" charset="-122"/>
+              <a:ea typeface="微软雅黑" pitchFamily="34" charset="-122"/>
+            </a:endParaRPr>
+          </a:p>
+          <a:p>
+            <a:r>
+              <a:rPr lang="en-US" altLang="zh-CN" sz="2000" dirty="0">
+                <a:latin typeface="微软雅黑" pitchFamily="34" charset="-122"/>
+                <a:ea typeface="微软雅黑" pitchFamily="34" charset="-122"/>
+              </a:rPr>
+              <a:t> </a:t>
+            </a:r>
+            <a:r>
+              <a:rPr lang="en-US" altLang="zh-CN" sz="2000" dirty="0" smtClean="0">
+                <a:latin typeface="微软雅黑" pitchFamily="34" charset="-122"/>
+                <a:ea typeface="微软雅黑" pitchFamily="34" charset="-122"/>
+              </a:rPr>
+              <a:t>       Go</a:t>
+            </a:r>
+            <a:r>
+              <a:rPr lang="zh-CN" altLang="en-US" sz="2000" dirty="0" smtClean="0">
+                <a:latin typeface="微软雅黑" pitchFamily="34" charset="-122"/>
+                <a:ea typeface="微软雅黑" pitchFamily="34" charset="-122"/>
+              </a:rPr>
+              <a:t>是一门 </a:t>
+            </a:r>
+            <a:r>
+              <a:rPr lang="zh-CN" altLang="en-US" sz="2000" b="1" dirty="0" smtClean="0">
+                <a:solidFill>
+                  <a:srgbClr val="00B050"/>
+                </a:solidFill>
+                <a:latin typeface="微软雅黑" pitchFamily="34" charset="-122"/>
+                <a:ea typeface="微软雅黑" pitchFamily="34" charset="-122"/>
+              </a:rPr>
+              <a:t>并发支持 </a:t>
+            </a:r>
+            <a:r>
+              <a:rPr lang="zh-CN" altLang="en-US" sz="2000" dirty="0" smtClean="0">
+                <a:latin typeface="微软雅黑" pitchFamily="34" charset="-122"/>
+                <a:ea typeface="微软雅黑" pitchFamily="34" charset="-122"/>
+              </a:rPr>
+              <a:t>、</a:t>
+            </a:r>
+            <a:r>
+              <a:rPr lang="zh-CN" altLang="en-US" sz="2000" b="1" dirty="0" smtClean="0">
+                <a:solidFill>
+                  <a:srgbClr val="00B050"/>
+                </a:solidFill>
+                <a:latin typeface="微软雅黑" pitchFamily="34" charset="-122"/>
+                <a:ea typeface="微软雅黑" pitchFamily="34" charset="-122"/>
+              </a:rPr>
+              <a:t>垃圾回收 </a:t>
+            </a:r>
+            <a:r>
+              <a:rPr lang="zh-CN" altLang="en-US" sz="2000" dirty="0" smtClean="0">
+                <a:latin typeface="微软雅黑" pitchFamily="34" charset="-122"/>
+                <a:ea typeface="微软雅黑" pitchFamily="34" charset="-122"/>
+              </a:rPr>
+              <a:t>的 </a:t>
+            </a:r>
+            <a:r>
+              <a:rPr lang="zh-CN" altLang="en-US" sz="2000" b="1" dirty="0" smtClean="0">
+                <a:solidFill>
+                  <a:srgbClr val="00B050"/>
+                </a:solidFill>
+                <a:latin typeface="微软雅黑" pitchFamily="34" charset="-122"/>
+                <a:ea typeface="微软雅黑" pitchFamily="34" charset="-122"/>
+              </a:rPr>
+              <a:t>编译型 </a:t>
+            </a:r>
+            <a:r>
+              <a:rPr lang="zh-CN" altLang="en-US" sz="2000" dirty="0" smtClean="0">
+                <a:solidFill>
+                  <a:srgbClr val="00B0F0"/>
+                </a:solidFill>
+                <a:latin typeface="微软雅黑" pitchFamily="34" charset="-122"/>
+                <a:ea typeface="微软雅黑" pitchFamily="34" charset="-122"/>
+              </a:rPr>
+              <a:t>系统编程语言</a:t>
+            </a:r>
+            <a:r>
+              <a:rPr lang="zh-CN" altLang="en-US" sz="2000" dirty="0" smtClean="0">
+                <a:latin typeface="微软雅黑" pitchFamily="34" charset="-122"/>
+                <a:ea typeface="微软雅黑" pitchFamily="34" charset="-122"/>
+              </a:rPr>
+              <a:t>，旨在创</a:t>
+            </a:r>
+            <a:endParaRPr lang="en-US" altLang="zh-CN" sz="2000" dirty="0" smtClean="0">
+              <a:latin typeface="微软雅黑" pitchFamily="34" charset="-122"/>
+              <a:ea typeface="微软雅黑" pitchFamily="34" charset="-122"/>
+            </a:endParaRPr>
+          </a:p>
+          <a:p>
+            <a:r>
+              <a:rPr lang="zh-CN" altLang="en-US" sz="2000" dirty="0" smtClean="0">
+                <a:latin typeface="微软雅黑" pitchFamily="34" charset="-122"/>
+                <a:ea typeface="微软雅黑" pitchFamily="34" charset="-122"/>
+              </a:rPr>
+              <a:t>造一门具有在静态编译语言的 </a:t>
+            </a:r>
+            <a:r>
+              <a:rPr lang="zh-CN" altLang="en-US" sz="2000" b="1" dirty="0" smtClean="0">
+                <a:solidFill>
+                  <a:srgbClr val="FF0000"/>
+                </a:solidFill>
+                <a:latin typeface="微软雅黑" pitchFamily="34" charset="-122"/>
+                <a:ea typeface="微软雅黑" pitchFamily="34" charset="-122"/>
+              </a:rPr>
+              <a:t>高性能 </a:t>
+            </a:r>
+            <a:r>
+              <a:rPr lang="zh-CN" altLang="en-US" sz="2000" dirty="0" smtClean="0">
+                <a:latin typeface="微软雅黑" pitchFamily="34" charset="-122"/>
+                <a:ea typeface="微软雅黑" pitchFamily="34" charset="-122"/>
+              </a:rPr>
+              <a:t>和动态语言的 </a:t>
+            </a:r>
+            <a:r>
+              <a:rPr lang="zh-CN" altLang="en-US" sz="2000" b="1" dirty="0" smtClean="0">
+                <a:solidFill>
+                  <a:srgbClr val="FF0000"/>
+                </a:solidFill>
+                <a:latin typeface="微软雅黑" pitchFamily="34" charset="-122"/>
+                <a:ea typeface="微软雅黑" pitchFamily="34" charset="-122"/>
+              </a:rPr>
+              <a:t>高效开发 </a:t>
+            </a:r>
+            <a:r>
+              <a:rPr lang="zh-CN" altLang="en-US" sz="2000" dirty="0" smtClean="0">
+                <a:latin typeface="微软雅黑" pitchFamily="34" charset="-122"/>
+                <a:ea typeface="微软雅黑" pitchFamily="34" charset="-122"/>
+              </a:rPr>
+              <a:t>之间拥有</a:t>
+            </a:r>
+            <a:endParaRPr lang="en-US" altLang="zh-CN" sz="2000" dirty="0" smtClean="0">
+              <a:latin typeface="微软雅黑" pitchFamily="34" charset="-122"/>
+              <a:ea typeface="微软雅黑" pitchFamily="34" charset="-122"/>
+            </a:endParaRPr>
+          </a:p>
+          <a:p>
+            <a:r>
+              <a:rPr lang="zh-CN" altLang="en-US" sz="2000" dirty="0" smtClean="0">
+                <a:latin typeface="微软雅黑" pitchFamily="34" charset="-122"/>
+                <a:ea typeface="微软雅黑" pitchFamily="34" charset="-122"/>
+              </a:rPr>
+              <a:t>良好平衡点的一门编程语言。</a:t>
+            </a:r>
+            <a:endParaRPr lang="en-US" altLang="zh-CN" sz="2000" dirty="0" smtClean="0">
+              <a:latin typeface="微软雅黑" pitchFamily="34" charset="-122"/>
+              <a:ea typeface="微软雅黑" pitchFamily="34" charset="-122"/>
+            </a:endParaRPr>
+          </a:p>
+          <a:p>
+            <a:endParaRPr lang="en-US" altLang="zh-CN" sz="2000" dirty="0">
+              <a:latin typeface="微软雅黑" pitchFamily="34" charset="-122"/>
+              <a:ea typeface="微软雅黑" pitchFamily="34" charset="-122"/>
+            </a:endParaRPr>
+          </a:p>
+          <a:p>
+            <a:r>
+              <a:rPr lang="en-US" altLang="zh-CN" sz="2000" dirty="0" smtClean="0">
+                <a:latin typeface="微软雅黑" pitchFamily="34" charset="-122"/>
+                <a:ea typeface="微软雅黑" pitchFamily="34" charset="-122"/>
+              </a:rPr>
+              <a:t>Go</a:t>
+            </a:r>
+            <a:r>
+              <a:rPr lang="zh-CN" altLang="en-US" sz="2000" dirty="0" smtClean="0">
+                <a:latin typeface="微软雅黑" pitchFamily="34" charset="-122"/>
+                <a:ea typeface="微软雅黑" pitchFamily="34" charset="-122"/>
+              </a:rPr>
+              <a:t>的主要特点有哪些？</a:t>
+            </a:r>
+            <a:endParaRPr lang="en-US" altLang="zh-CN" sz="2000" dirty="0" smtClean="0">
+              <a:latin typeface="微软雅黑" pitchFamily="34" charset="-122"/>
+              <a:ea typeface="微软雅黑" pitchFamily="34" charset="-122"/>
+            </a:endParaRPr>
+          </a:p>
+          <a:p>
+            <a:endParaRPr lang="en-US" altLang="zh-CN" sz="2000" dirty="0" smtClean="0">
+              <a:latin typeface="微软雅黑" pitchFamily="34" charset="-122"/>
+              <a:ea typeface="微软雅黑" pitchFamily="34" charset="-122"/>
+            </a:endParaRPr>
+          </a:p>
+          <a:p>
+            <a:pPr marL="342900" indent="-342900">
+              <a:buFontTx/>
+              <a:buChar char="-"/>
+            </a:pPr>
+            <a:r>
+              <a:rPr lang="zh-CN" altLang="en-US" sz="2000" b="1" dirty="0" smtClean="0">
+                <a:solidFill>
+                  <a:srgbClr val="00B050"/>
+                </a:solidFill>
+                <a:latin typeface="微软雅黑" pitchFamily="34" charset="-122"/>
+                <a:ea typeface="微软雅黑" pitchFamily="34" charset="-122"/>
+              </a:rPr>
+              <a:t>类型安全 </a:t>
+            </a:r>
+            <a:r>
+              <a:rPr lang="zh-CN" altLang="en-US" sz="2000" dirty="0" smtClean="0">
+                <a:latin typeface="微软雅黑" pitchFamily="34" charset="-122"/>
+                <a:ea typeface="微软雅黑" pitchFamily="34" charset="-122"/>
+              </a:rPr>
+              <a:t>和 </a:t>
+            </a:r>
+            <a:r>
+              <a:rPr lang="zh-CN" altLang="en-US" sz="2000" b="1" dirty="0" smtClean="0">
+                <a:solidFill>
+                  <a:srgbClr val="00B050"/>
+                </a:solidFill>
+                <a:latin typeface="微软雅黑" pitchFamily="34" charset="-122"/>
+                <a:ea typeface="微软雅黑" pitchFamily="34" charset="-122"/>
+              </a:rPr>
+              <a:t>内存安全</a:t>
+            </a:r>
+            <a:endParaRPr lang="en-US" altLang="zh-CN" sz="2000" b="1" dirty="0" smtClean="0">
+              <a:solidFill>
+                <a:srgbClr val="00B050"/>
+              </a:solidFill>
+              <a:latin typeface="微软雅黑" pitchFamily="34" charset="-122"/>
+              <a:ea typeface="微软雅黑" pitchFamily="34" charset="-122"/>
+            </a:endParaRPr>
+          </a:p>
+          <a:p>
+            <a:pPr marL="342900" indent="-342900">
+              <a:buFontTx/>
+              <a:buChar char="-"/>
+            </a:pPr>
+            <a:r>
+              <a:rPr lang="zh-CN" altLang="en-US" sz="2000" dirty="0" smtClean="0">
+                <a:latin typeface="微软雅黑" pitchFamily="34" charset="-122"/>
+                <a:ea typeface="微软雅黑" pitchFamily="34" charset="-122"/>
+              </a:rPr>
+              <a:t>以非常</a:t>
+            </a:r>
+            <a:r>
+              <a:rPr lang="zh-CN" altLang="en-US" sz="2000" dirty="0" smtClean="0">
+                <a:solidFill>
+                  <a:srgbClr val="00B050"/>
+                </a:solidFill>
+                <a:latin typeface="微软雅黑" pitchFamily="34" charset="-122"/>
+                <a:ea typeface="微软雅黑" pitchFamily="34" charset="-122"/>
+              </a:rPr>
+              <a:t>直观</a:t>
+            </a:r>
+            <a:r>
+              <a:rPr lang="zh-CN" altLang="en-US" sz="2000" dirty="0" smtClean="0">
+                <a:latin typeface="微软雅黑" pitchFamily="34" charset="-122"/>
+                <a:ea typeface="微软雅黑" pitchFamily="34" charset="-122"/>
+              </a:rPr>
+              <a:t>和</a:t>
+            </a:r>
+            <a:r>
+              <a:rPr lang="zh-CN" altLang="en-US" sz="2000" dirty="0" smtClean="0">
+                <a:solidFill>
+                  <a:srgbClr val="0070C0"/>
+                </a:solidFill>
+                <a:latin typeface="微软雅黑" pitchFamily="34" charset="-122"/>
+                <a:ea typeface="微软雅黑" pitchFamily="34" charset="-122"/>
+              </a:rPr>
+              <a:t>极低代价</a:t>
+            </a:r>
+            <a:r>
+              <a:rPr lang="zh-CN" altLang="en-US" sz="2000" dirty="0" smtClean="0">
+                <a:latin typeface="微软雅黑" pitchFamily="34" charset="-122"/>
+                <a:ea typeface="微软雅黑" pitchFamily="34" charset="-122"/>
+              </a:rPr>
+              <a:t>的方案实现 </a:t>
+            </a:r>
+            <a:r>
+              <a:rPr lang="zh-CN" altLang="en-US" sz="2000" b="1" dirty="0" smtClean="0">
+                <a:solidFill>
+                  <a:srgbClr val="FF0000"/>
+                </a:solidFill>
+                <a:latin typeface="微软雅黑" pitchFamily="34" charset="-122"/>
+                <a:ea typeface="微软雅黑" pitchFamily="34" charset="-122"/>
+              </a:rPr>
+              <a:t>高并发</a:t>
+            </a:r>
+            <a:endParaRPr lang="en-US" altLang="zh-CN" sz="2000" b="1" dirty="0" smtClean="0">
+              <a:solidFill>
+                <a:srgbClr val="FF0000"/>
+              </a:solidFill>
+              <a:latin typeface="微软雅黑" pitchFamily="34" charset="-122"/>
+              <a:ea typeface="微软雅黑" pitchFamily="34" charset="-122"/>
+            </a:endParaRPr>
+          </a:p>
+          <a:p>
+            <a:pPr marL="342900" indent="-342900">
+              <a:buFontTx/>
+              <a:buChar char="-"/>
+            </a:pPr>
+            <a:r>
+              <a:rPr lang="zh-CN" altLang="en-US" sz="2000" dirty="0" smtClean="0">
+                <a:solidFill>
+                  <a:srgbClr val="00B050"/>
+                </a:solidFill>
+                <a:latin typeface="微软雅黑" pitchFamily="34" charset="-122"/>
+                <a:ea typeface="微软雅黑" pitchFamily="34" charset="-122"/>
+              </a:rPr>
+              <a:t>高效的</a:t>
+            </a:r>
+            <a:r>
+              <a:rPr lang="zh-CN" altLang="en-US" sz="2000" dirty="0" smtClean="0">
+                <a:latin typeface="微软雅黑" pitchFamily="34" charset="-122"/>
+                <a:ea typeface="微软雅黑" pitchFamily="34" charset="-122"/>
+              </a:rPr>
+              <a:t>垃圾回收机制</a:t>
+            </a:r>
+            <a:endParaRPr lang="en-US" altLang="zh-CN" sz="2000" dirty="0" smtClean="0">
+              <a:latin typeface="微软雅黑" pitchFamily="34" charset="-122"/>
+              <a:ea typeface="微软雅黑" pitchFamily="34" charset="-122"/>
+            </a:endParaRPr>
+          </a:p>
+          <a:p>
+            <a:pPr marL="342900" indent="-342900">
+              <a:buFontTx/>
+              <a:buChar char="-"/>
+            </a:pPr>
+            <a:r>
+              <a:rPr lang="zh-CN" altLang="en-US" sz="2000" b="1" dirty="0" smtClean="0">
+                <a:solidFill>
+                  <a:srgbClr val="7030A0"/>
+                </a:solidFill>
+                <a:latin typeface="微软雅黑" pitchFamily="34" charset="-122"/>
+                <a:ea typeface="微软雅黑" pitchFamily="34" charset="-122"/>
+              </a:rPr>
+              <a:t>快速编译</a:t>
+            </a:r>
+            <a:r>
+              <a:rPr lang="zh-CN" altLang="en-US" sz="2000" dirty="0" smtClean="0">
+                <a:latin typeface="微软雅黑" pitchFamily="34" charset="-122"/>
+                <a:ea typeface="微软雅黑" pitchFamily="34" charset="-122"/>
+              </a:rPr>
+              <a:t>（同时解决</a:t>
+            </a:r>
+            <a:r>
+              <a:rPr lang="en-US" altLang="zh-CN" sz="2000" dirty="0" smtClean="0">
+                <a:latin typeface="微软雅黑" pitchFamily="34" charset="-122"/>
+                <a:ea typeface="微软雅黑" pitchFamily="34" charset="-122"/>
+              </a:rPr>
+              <a:t>C</a:t>
+            </a:r>
+            <a:r>
+              <a:rPr lang="zh-CN" altLang="en-US" sz="2000" dirty="0" smtClean="0">
+                <a:latin typeface="微软雅黑" pitchFamily="34" charset="-122"/>
+                <a:ea typeface="微软雅黑" pitchFamily="34" charset="-122"/>
+              </a:rPr>
+              <a:t>语言中头文件太多的问题）</a:t>
+            </a:r>
+            <a:endParaRPr lang="en-US" altLang="zh-CN" sz="2000" dirty="0" smtClean="0">
+              <a:latin typeface="微软雅黑" pitchFamily="34" charset="-122"/>
+              <a:ea typeface="微软雅黑" pitchFamily="34" charset="-122"/>
+            </a:endParaRPr>
+          </a:p>
+          <a:p>
+            <a:pPr marL="342900" indent="-342900">
+              <a:buFontTx/>
+              <a:buChar char="-"/>
+            </a:pPr>
+            <a:r>
+              <a:rPr lang="zh-CN" altLang="en-US" sz="2000" dirty="0" smtClean="0">
+                <a:latin typeface="微软雅黑" pitchFamily="34" charset="-122"/>
+                <a:ea typeface="微软雅黑" pitchFamily="34" charset="-122"/>
+              </a:rPr>
+              <a:t>为多核计算机提供性能提升的方案</a:t>
+            </a:r>
+            <a:endParaRPr lang="zh-CN" altLang="en-US" sz="2000" dirty="0">
+              <a:latin typeface="微软雅黑" pitchFamily="34" charset="-122"/>
+              <a:ea typeface="微软雅黑" pitchFamily="34" charset="-122"/>
+            </a:endParaRPr>
+          </a:p>
+        </p:txBody>
+      </p:sp>
     </p:spTree>
     <p:extLst>
       <p:ext uri="{BB962C8B-B14F-4D97-AF65-F5344CB8AC3E}">
@@ -3432,6 +3859,851 @@
 </file>
 
 <file path=ppt/slides/slide2.xml><?xml version="1.0" encoding="utf-8"?>
+<p:sld xmlns:a="http://schemas.openxmlformats.org/drawingml/2006/main" xmlns:r="http://schemas.openxmlformats.org/officeDocument/2006/relationships" xmlns:p="http://schemas.openxmlformats.org/presentationml/2006/main">
+  <p:cSld>
+    <p:spTree>
+      <p:nvGrpSpPr>
+        <p:cNvPr id="1" name=""/>
+        <p:cNvGrpSpPr/>
+        <p:nvPr/>
+      </p:nvGrpSpPr>
+      <p:grpSpPr>
+        <a:xfrm>
+          <a:off x="0" y="0"/>
+          <a:ext cx="0" cy="0"/>
+          <a:chOff x="0" y="0"/>
+          <a:chExt cx="0" cy="0"/>
+        </a:xfrm>
+      </p:grpSpPr>
+      <p:sp>
+        <p:nvSpPr>
+          <p:cNvPr id="2" name="标题 1"/>
+          <p:cNvSpPr>
+            <a:spLocks noGrp="1"/>
+          </p:cNvSpPr>
+          <p:nvPr>
+            <p:ph type="ctrTitle"/>
+          </p:nvPr>
+        </p:nvSpPr>
+        <p:spPr>
+          <a:xfrm>
+            <a:off x="1475656" y="260648"/>
+            <a:ext cx="5902424" cy="1019199"/>
+          </a:xfrm>
+        </p:spPr>
+        <p:txBody>
+          <a:bodyPr/>
+          <a:lstStyle/>
+          <a:p>
+            <a:r>
+              <a:rPr lang="en-US" altLang="zh-CN" sz="6000" dirty="0" smtClean="0"/>
+              <a:t>Go</a:t>
+            </a:r>
+            <a:r>
+              <a:rPr lang="zh-CN" altLang="en-US" sz="6000" dirty="0" smtClean="0"/>
+              <a:t>编程基础</a:t>
+            </a:r>
+            <a:endParaRPr lang="zh-CN" altLang="en-US" sz="6000" dirty="0"/>
+          </a:p>
+        </p:txBody>
+      </p:sp>
+      <p:sp>
+        <p:nvSpPr>
+          <p:cNvPr id="3" name="副标题 2"/>
+          <p:cNvSpPr>
+            <a:spLocks noGrp="1"/>
+          </p:cNvSpPr>
+          <p:nvPr>
+            <p:ph type="subTitle" idx="1"/>
+          </p:nvPr>
+        </p:nvSpPr>
+        <p:spPr>
+          <a:xfrm>
+            <a:off x="6700192" y="6165304"/>
+            <a:ext cx="1688232" cy="492224"/>
+          </a:xfrm>
+        </p:spPr>
+        <p:txBody>
+          <a:bodyPr>
+            <a:normAutofit fontScale="92500"/>
+          </a:bodyPr>
+          <a:lstStyle/>
+          <a:p>
+            <a:r>
+              <a:rPr lang="zh-CN" altLang="en-US" b="1" dirty="0" smtClean="0">
+                <a:latin typeface="微软雅黑" pitchFamily="34" charset="-122"/>
+                <a:ea typeface="微软雅黑" pitchFamily="34" charset="-122"/>
+              </a:rPr>
+              <a:t>讲师：无闻</a:t>
+            </a:r>
+            <a:endParaRPr lang="zh-CN" altLang="en-US" b="1" dirty="0">
+              <a:latin typeface="微软雅黑" pitchFamily="34" charset="-122"/>
+              <a:ea typeface="微软雅黑" pitchFamily="34" charset="-122"/>
+            </a:endParaRPr>
+          </a:p>
+        </p:txBody>
+      </p:sp>
+      <p:sp>
+        <p:nvSpPr>
+          <p:cNvPr id="4" name="TextBox 3"/>
+          <p:cNvSpPr txBox="1"/>
+          <p:nvPr/>
+        </p:nvSpPr>
+        <p:spPr>
+          <a:xfrm>
+            <a:off x="611560" y="1581826"/>
+            <a:ext cx="8278292" cy="4401205"/>
+          </a:xfrm>
+          <a:prstGeom prst="rect">
+            <a:avLst/>
+          </a:prstGeom>
+          <a:noFill/>
+        </p:spPr>
+        <p:txBody>
+          <a:bodyPr wrap="none" rtlCol="0">
+            <a:spAutoFit/>
+          </a:bodyPr>
+          <a:lstStyle/>
+          <a:p>
+            <a:r>
+              <a:rPr lang="en-US" altLang="zh-CN" sz="2000" dirty="0" smtClean="0">
+                <a:latin typeface="微软雅黑" pitchFamily="34" charset="-122"/>
+                <a:ea typeface="微软雅黑" pitchFamily="34" charset="-122"/>
+              </a:rPr>
+              <a:t>Go</a:t>
+            </a:r>
+            <a:r>
+              <a:rPr lang="zh-CN" altLang="en-US" sz="2000" dirty="0" smtClean="0">
+                <a:latin typeface="微软雅黑" pitchFamily="34" charset="-122"/>
+                <a:ea typeface="微软雅黑" pitchFamily="34" charset="-122"/>
+              </a:rPr>
+              <a:t>存在的价值是什么？</a:t>
+            </a:r>
+            <a:endParaRPr lang="en-US" altLang="zh-CN" sz="2000" dirty="0" smtClean="0">
+              <a:latin typeface="微软雅黑" pitchFamily="34" charset="-122"/>
+              <a:ea typeface="微软雅黑" pitchFamily="34" charset="-122"/>
+            </a:endParaRPr>
+          </a:p>
+          <a:p>
+            <a:endParaRPr lang="en-US" altLang="zh-CN" sz="2000" dirty="0" smtClean="0">
+              <a:latin typeface="微软雅黑" pitchFamily="34" charset="-122"/>
+              <a:ea typeface="微软雅黑" pitchFamily="34" charset="-122"/>
+            </a:endParaRPr>
+          </a:p>
+          <a:p>
+            <a:r>
+              <a:rPr lang="en-US" altLang="zh-CN" sz="2000" dirty="0">
+                <a:latin typeface="微软雅黑" pitchFamily="34" charset="-122"/>
+                <a:ea typeface="微软雅黑" pitchFamily="34" charset="-122"/>
+                <a:hlinkClick r:id="rId2"/>
+              </a:rPr>
+              <a:t>Go</a:t>
+            </a:r>
+            <a:r>
+              <a:rPr lang="zh-CN" altLang="en-US" sz="2000" dirty="0">
+                <a:latin typeface="微软雅黑" pitchFamily="34" charset="-122"/>
+                <a:ea typeface="微软雅黑" pitchFamily="34" charset="-122"/>
+                <a:hlinkClick r:id="rId2"/>
+              </a:rPr>
+              <a:t>在谷歌：以软件工程为目的的语言</a:t>
+            </a:r>
+            <a:r>
+              <a:rPr lang="zh-CN" altLang="en-US" sz="2000" dirty="0" smtClean="0">
+                <a:latin typeface="微软雅黑" pitchFamily="34" charset="-122"/>
+                <a:ea typeface="微软雅黑" pitchFamily="34" charset="-122"/>
+                <a:hlinkClick r:id="rId2"/>
+              </a:rPr>
+              <a:t>设计</a:t>
+            </a:r>
+            <a:endParaRPr lang="en-US" altLang="zh-CN" sz="2000" dirty="0" smtClean="0">
+              <a:latin typeface="微软雅黑" pitchFamily="34" charset="-122"/>
+              <a:ea typeface="微软雅黑" pitchFamily="34" charset="-122"/>
+            </a:endParaRPr>
+          </a:p>
+          <a:p>
+            <a:endParaRPr lang="en-US" altLang="zh-CN" sz="2000" dirty="0" smtClean="0">
+              <a:latin typeface="微软雅黑" pitchFamily="34" charset="-122"/>
+              <a:ea typeface="微软雅黑" pitchFamily="34" charset="-122"/>
+            </a:endParaRPr>
+          </a:p>
+          <a:p>
+            <a:r>
+              <a:rPr lang="en-US" altLang="zh-CN" sz="2000" dirty="0" smtClean="0">
+                <a:latin typeface="微软雅黑" pitchFamily="34" charset="-122"/>
+                <a:ea typeface="微软雅黑" pitchFamily="34" charset="-122"/>
+              </a:rPr>
+              <a:t>Go</a:t>
+            </a:r>
+            <a:r>
+              <a:rPr lang="zh-CN" altLang="en-US" sz="2000" dirty="0" smtClean="0">
+                <a:latin typeface="微软雅黑" pitchFamily="34" charset="-122"/>
+                <a:ea typeface="微软雅黑" pitchFamily="34" charset="-122"/>
+              </a:rPr>
+              <a:t>是记事本编程吗？</a:t>
+            </a:r>
+            <a:endParaRPr lang="en-US" altLang="zh-CN" sz="2000" dirty="0" smtClean="0">
+              <a:latin typeface="微软雅黑" pitchFamily="34" charset="-122"/>
+              <a:ea typeface="微软雅黑" pitchFamily="34" charset="-122"/>
+            </a:endParaRPr>
+          </a:p>
+          <a:p>
+            <a:endParaRPr lang="en-US" altLang="zh-CN" sz="2000" dirty="0" smtClean="0">
+              <a:latin typeface="微软雅黑" pitchFamily="34" charset="-122"/>
+              <a:ea typeface="微软雅黑" pitchFamily="34" charset="-122"/>
+            </a:endParaRPr>
+          </a:p>
+          <a:p>
+            <a:r>
+              <a:rPr lang="en-US" altLang="zh-CN" sz="2000" dirty="0">
+                <a:latin typeface="微软雅黑" pitchFamily="34" charset="-122"/>
+                <a:ea typeface="微软雅黑" pitchFamily="34" charset="-122"/>
+              </a:rPr>
+              <a:t> </a:t>
+            </a:r>
+            <a:r>
+              <a:rPr lang="en-US" altLang="zh-CN" sz="2000" dirty="0" smtClean="0">
+                <a:latin typeface="微软雅黑" pitchFamily="34" charset="-122"/>
+                <a:ea typeface="微软雅黑" pitchFamily="34" charset="-122"/>
+              </a:rPr>
+              <a:t>       </a:t>
+            </a:r>
+            <a:r>
+              <a:rPr lang="zh-CN" altLang="en-US" sz="2000" dirty="0" smtClean="0">
+                <a:latin typeface="微软雅黑" pitchFamily="34" charset="-122"/>
+                <a:ea typeface="微软雅黑" pitchFamily="34" charset="-122"/>
+              </a:rPr>
+              <a:t>包括</a:t>
+            </a:r>
+            <a:r>
+              <a:rPr lang="en-US" altLang="zh-CN" sz="2000" dirty="0" smtClean="0">
+                <a:latin typeface="微软雅黑" pitchFamily="34" charset="-122"/>
+                <a:ea typeface="微软雅黑" pitchFamily="34" charset="-122"/>
+              </a:rPr>
+              <a:t>VIM</a:t>
+            </a:r>
+            <a:r>
+              <a:rPr lang="zh-CN" altLang="en-US" sz="2000" dirty="0" smtClean="0">
+                <a:latin typeface="微软雅黑" pitchFamily="34" charset="-122"/>
+                <a:ea typeface="微软雅黑" pitchFamily="34" charset="-122"/>
+              </a:rPr>
+              <a:t>，</a:t>
+            </a:r>
+            <a:r>
+              <a:rPr lang="en-US" altLang="zh-CN" sz="2000" dirty="0" smtClean="0">
+                <a:latin typeface="微软雅黑" pitchFamily="34" charset="-122"/>
+                <a:ea typeface="微软雅黑" pitchFamily="34" charset="-122"/>
+              </a:rPr>
+              <a:t>IDEA</a:t>
+            </a:r>
+            <a:r>
+              <a:rPr lang="zh-CN" altLang="en-US" sz="2000" dirty="0" smtClean="0">
+                <a:latin typeface="微软雅黑" pitchFamily="34" charset="-122"/>
+                <a:ea typeface="微软雅黑" pitchFamily="34" charset="-122"/>
+              </a:rPr>
+              <a:t>，</a:t>
+            </a:r>
+            <a:r>
+              <a:rPr lang="en-US" altLang="zh-CN" sz="2000" dirty="0" smtClean="0">
+                <a:latin typeface="微软雅黑" pitchFamily="34" charset="-122"/>
+                <a:ea typeface="微软雅黑" pitchFamily="34" charset="-122"/>
+              </a:rPr>
+              <a:t>Sublime Text</a:t>
+            </a:r>
+            <a:r>
+              <a:rPr lang="zh-CN" altLang="en-US" sz="2000" dirty="0" smtClean="0">
+                <a:latin typeface="微软雅黑" pitchFamily="34" charset="-122"/>
+                <a:ea typeface="微软雅黑" pitchFamily="34" charset="-122"/>
+              </a:rPr>
+              <a:t>，</a:t>
+            </a:r>
+            <a:r>
+              <a:rPr lang="en-US" altLang="zh-CN" sz="2000" dirty="0" smtClean="0">
+                <a:latin typeface="微软雅黑" pitchFamily="34" charset="-122"/>
+                <a:ea typeface="微软雅黑" pitchFamily="34" charset="-122"/>
+              </a:rPr>
+              <a:t>Eclipse</a:t>
+            </a:r>
+            <a:r>
+              <a:rPr lang="zh-CN" altLang="en-US" sz="2000" dirty="0" smtClean="0">
+                <a:latin typeface="微软雅黑" pitchFamily="34" charset="-122"/>
+                <a:ea typeface="微软雅黑" pitchFamily="34" charset="-122"/>
+              </a:rPr>
+              <a:t>等众多知名</a:t>
+            </a:r>
+            <a:r>
+              <a:rPr lang="en-US" altLang="zh-CN" sz="2000" dirty="0" smtClean="0">
+                <a:latin typeface="微软雅黑" pitchFamily="34" charset="-122"/>
+                <a:ea typeface="微软雅黑" pitchFamily="34" charset="-122"/>
+              </a:rPr>
+              <a:t>IDE</a:t>
+            </a:r>
+            <a:r>
+              <a:rPr lang="zh-CN" altLang="en-US" sz="2000" dirty="0" smtClean="0">
+                <a:latin typeface="微软雅黑" pitchFamily="34" charset="-122"/>
+                <a:ea typeface="微软雅黑" pitchFamily="34" charset="-122"/>
+              </a:rPr>
+              <a:t>均已支持</a:t>
+            </a:r>
+            <a:endParaRPr lang="en-US" altLang="zh-CN" sz="2000" dirty="0">
+              <a:latin typeface="微软雅黑" pitchFamily="34" charset="-122"/>
+              <a:ea typeface="微软雅黑" pitchFamily="34" charset="-122"/>
+            </a:endParaRPr>
+          </a:p>
+          <a:p>
+            <a:endParaRPr lang="en-US" altLang="zh-CN" sz="2000" dirty="0">
+              <a:latin typeface="微软雅黑" pitchFamily="34" charset="-122"/>
+              <a:ea typeface="微软雅黑" pitchFamily="34" charset="-122"/>
+            </a:endParaRPr>
+          </a:p>
+          <a:p>
+            <a:r>
+              <a:rPr lang="en-US" altLang="zh-CN" sz="2000" dirty="0" smtClean="0">
+                <a:latin typeface="微软雅黑" pitchFamily="34" charset="-122"/>
+                <a:ea typeface="微软雅黑" pitchFamily="34" charset="-122"/>
+              </a:rPr>
+              <a:t>Go</a:t>
+            </a:r>
+            <a:r>
+              <a:rPr lang="zh-CN" altLang="en-US" sz="2000" dirty="0" smtClean="0">
+                <a:latin typeface="微软雅黑" pitchFamily="34" charset="-122"/>
+                <a:ea typeface="微软雅黑" pitchFamily="34" charset="-122"/>
+              </a:rPr>
+              <a:t>目前有多少实际应用？</a:t>
+            </a:r>
+            <a:endParaRPr lang="en-US" altLang="zh-CN" sz="2000" dirty="0" smtClean="0">
+              <a:latin typeface="微软雅黑" pitchFamily="34" charset="-122"/>
+              <a:ea typeface="微软雅黑" pitchFamily="34" charset="-122"/>
+            </a:endParaRPr>
+          </a:p>
+          <a:p>
+            <a:endParaRPr lang="en-US" altLang="zh-CN" sz="2000" dirty="0">
+              <a:latin typeface="微软雅黑" pitchFamily="34" charset="-122"/>
+              <a:ea typeface="微软雅黑" pitchFamily="34" charset="-122"/>
+            </a:endParaRPr>
+          </a:p>
+          <a:p>
+            <a:pPr marL="342900" indent="-342900">
+              <a:buFontTx/>
+              <a:buChar char="-"/>
+            </a:pPr>
+            <a:r>
+              <a:rPr lang="zh-CN" altLang="en-US" sz="2000" dirty="0" smtClean="0">
+                <a:latin typeface="微软雅黑" pitchFamily="34" charset="-122"/>
+                <a:ea typeface="微软雅黑" pitchFamily="34" charset="-122"/>
+              </a:rPr>
+              <a:t>全球最大视频网站 </a:t>
+            </a:r>
+            <a:r>
+              <a:rPr lang="en-US" altLang="zh-CN" sz="2000" dirty="0" err="1" smtClean="0">
+                <a:latin typeface="微软雅黑" pitchFamily="34" charset="-122"/>
+                <a:ea typeface="微软雅黑" pitchFamily="34" charset="-122"/>
+              </a:rPr>
+              <a:t>Youtube</a:t>
+            </a:r>
+            <a:endParaRPr lang="en-US" altLang="zh-CN" sz="2000" dirty="0">
+              <a:latin typeface="微软雅黑" pitchFamily="34" charset="-122"/>
+              <a:ea typeface="微软雅黑" pitchFamily="34" charset="-122"/>
+            </a:endParaRPr>
+          </a:p>
+          <a:p>
+            <a:pPr marL="342900" indent="-342900">
+              <a:buFontTx/>
+              <a:buChar char="-"/>
+            </a:pPr>
+            <a:r>
+              <a:rPr lang="zh-CN" altLang="en-US" sz="2000" dirty="0" smtClean="0">
+                <a:latin typeface="微软雅黑" pitchFamily="34" charset="-122"/>
+                <a:ea typeface="微软雅黑" pitchFamily="34" charset="-122"/>
+              </a:rPr>
+              <a:t>七牛云储存以及旗下网盘服务（</a:t>
+            </a:r>
+            <a:r>
+              <a:rPr lang="en-US" altLang="zh-CN" sz="2000" dirty="0" smtClean="0">
+                <a:latin typeface="微软雅黑" pitchFamily="34" charset="-122"/>
+                <a:ea typeface="微软雅黑" pitchFamily="34" charset="-122"/>
+              </a:rPr>
+              <a:t>Q</a:t>
+            </a:r>
+            <a:r>
+              <a:rPr lang="zh-CN" altLang="en-US" sz="2000" dirty="0" smtClean="0">
+                <a:latin typeface="微软雅黑" pitchFamily="34" charset="-122"/>
+                <a:ea typeface="微软雅黑" pitchFamily="34" charset="-122"/>
+              </a:rPr>
+              <a:t>盘）</a:t>
+            </a:r>
+            <a:endParaRPr lang="en-US" altLang="zh-CN" sz="2000" dirty="0" smtClean="0">
+              <a:latin typeface="微软雅黑" pitchFamily="34" charset="-122"/>
+              <a:ea typeface="微软雅黑" pitchFamily="34" charset="-122"/>
+            </a:endParaRPr>
+          </a:p>
+          <a:p>
+            <a:pPr marL="342900" indent="-342900">
+              <a:buFontTx/>
+              <a:buChar char="-"/>
+            </a:pPr>
+            <a:r>
+              <a:rPr lang="zh-CN" altLang="en-US" sz="2000" dirty="0" smtClean="0">
+                <a:latin typeface="微软雅黑" pitchFamily="34" charset="-122"/>
+                <a:ea typeface="微软雅黑" pitchFamily="34" charset="-122"/>
+              </a:rPr>
+              <a:t>后台服务器程序</a:t>
+            </a:r>
+            <a:endParaRPr lang="en-US" altLang="zh-CN" sz="2000" dirty="0" smtClean="0">
+              <a:latin typeface="微软雅黑" pitchFamily="34" charset="-122"/>
+              <a:ea typeface="微软雅黑" pitchFamily="34" charset="-122"/>
+            </a:endParaRPr>
+          </a:p>
+          <a:p>
+            <a:pPr marL="342900" indent="-342900">
+              <a:buFontTx/>
+              <a:buChar char="-"/>
+            </a:pPr>
+            <a:r>
+              <a:rPr lang="zh-CN" altLang="en-US" sz="2000" dirty="0" smtClean="0">
+                <a:latin typeface="微软雅黑" pitchFamily="34" charset="-122"/>
+                <a:ea typeface="微软雅黑" pitchFamily="34" charset="-122"/>
+              </a:rPr>
+              <a:t>爱好者开发的</a:t>
+            </a:r>
+            <a:r>
+              <a:rPr lang="en-US" altLang="zh-CN" sz="2000" dirty="0" smtClean="0">
+                <a:latin typeface="微软雅黑" pitchFamily="34" charset="-122"/>
+                <a:ea typeface="微软雅黑" pitchFamily="34" charset="-122"/>
+              </a:rPr>
+              <a:t>Go</a:t>
+            </a:r>
+            <a:r>
+              <a:rPr lang="zh-CN" altLang="en-US" sz="2000" dirty="0" smtClean="0">
+                <a:latin typeface="微软雅黑" pitchFamily="34" charset="-122"/>
+                <a:ea typeface="微软雅黑" pitchFamily="34" charset="-122"/>
+              </a:rPr>
+              <a:t>论坛及博客</a:t>
+            </a:r>
+            <a:endParaRPr lang="en-US" altLang="zh-CN" sz="2000" dirty="0" smtClean="0">
+              <a:latin typeface="微软雅黑" pitchFamily="34" charset="-122"/>
+              <a:ea typeface="微软雅黑" pitchFamily="34" charset="-122"/>
+            </a:endParaRPr>
+          </a:p>
+        </p:txBody>
+      </p:sp>
+    </p:spTree>
+    <p:extLst>
+      <p:ext uri="{BB962C8B-B14F-4D97-AF65-F5344CB8AC3E}">
+        <p14:creationId xmlns:p14="http://schemas.microsoft.com/office/powerpoint/2010/main" val="2494287475"/>
+      </p:ext>
+    </p:extLst>
+  </p:cSld>
+  <p:clrMapOvr>
+    <a:masterClrMapping/>
+  </p:clrMapOvr>
+  <p:timing>
+    <p:tnLst>
+      <p:par>
+        <p:cTn id="1" dur="indefinite" restart="never" nodeType="tmRoot"/>
+      </p:par>
+    </p:tnLst>
+  </p:timing>
+</p:sld>
+</file>
+
+<file path=ppt/slides/slide3.xml><?xml version="1.0" encoding="utf-8"?>
+<p:sld xmlns:a="http://schemas.openxmlformats.org/drawingml/2006/main" xmlns:r="http://schemas.openxmlformats.org/officeDocument/2006/relationships" xmlns:p="http://schemas.openxmlformats.org/presentationml/2006/main">
+  <p:cSld>
+    <p:spTree>
+      <p:nvGrpSpPr>
+        <p:cNvPr id="1" name=""/>
+        <p:cNvGrpSpPr/>
+        <p:nvPr/>
+      </p:nvGrpSpPr>
+      <p:grpSpPr>
+        <a:xfrm>
+          <a:off x="0" y="0"/>
+          <a:ext cx="0" cy="0"/>
+          <a:chOff x="0" y="0"/>
+          <a:chExt cx="0" cy="0"/>
+        </a:xfrm>
+      </p:grpSpPr>
+      <p:sp>
+        <p:nvSpPr>
+          <p:cNvPr id="2" name="标题 1"/>
+          <p:cNvSpPr>
+            <a:spLocks noGrp="1"/>
+          </p:cNvSpPr>
+          <p:nvPr>
+            <p:ph type="ctrTitle"/>
+          </p:nvPr>
+        </p:nvSpPr>
+        <p:spPr>
+          <a:xfrm>
+            <a:off x="1475656" y="260648"/>
+            <a:ext cx="5902424" cy="1019199"/>
+          </a:xfrm>
+        </p:spPr>
+        <p:txBody>
+          <a:bodyPr/>
+          <a:lstStyle/>
+          <a:p>
+            <a:r>
+              <a:rPr lang="en-US" altLang="zh-CN" sz="6000" dirty="0" smtClean="0"/>
+              <a:t>Go</a:t>
+            </a:r>
+            <a:r>
+              <a:rPr lang="zh-CN" altLang="en-US" sz="6000" dirty="0" smtClean="0"/>
+              <a:t>编程基础</a:t>
+            </a:r>
+            <a:endParaRPr lang="zh-CN" altLang="en-US" sz="6000" dirty="0"/>
+          </a:p>
+        </p:txBody>
+      </p:sp>
+      <p:sp>
+        <p:nvSpPr>
+          <p:cNvPr id="3" name="副标题 2"/>
+          <p:cNvSpPr>
+            <a:spLocks noGrp="1"/>
+          </p:cNvSpPr>
+          <p:nvPr>
+            <p:ph type="subTitle" idx="1"/>
+          </p:nvPr>
+        </p:nvSpPr>
+        <p:spPr>
+          <a:xfrm>
+            <a:off x="6700192" y="6165304"/>
+            <a:ext cx="1688232" cy="492224"/>
+          </a:xfrm>
+        </p:spPr>
+        <p:txBody>
+          <a:bodyPr>
+            <a:normAutofit fontScale="92500"/>
+          </a:bodyPr>
+          <a:lstStyle/>
+          <a:p>
+            <a:r>
+              <a:rPr lang="zh-CN" altLang="en-US" b="1" dirty="0" smtClean="0">
+                <a:latin typeface="微软雅黑" pitchFamily="34" charset="-122"/>
+                <a:ea typeface="微软雅黑" pitchFamily="34" charset="-122"/>
+              </a:rPr>
+              <a:t>讲师：无闻</a:t>
+            </a:r>
+            <a:endParaRPr lang="zh-CN" altLang="en-US" b="1" dirty="0">
+              <a:latin typeface="微软雅黑" pitchFamily="34" charset="-122"/>
+              <a:ea typeface="微软雅黑" pitchFamily="34" charset="-122"/>
+            </a:endParaRPr>
+          </a:p>
+        </p:txBody>
+      </p:sp>
+      <p:sp>
+        <p:nvSpPr>
+          <p:cNvPr id="4" name="TextBox 3"/>
+          <p:cNvSpPr txBox="1"/>
+          <p:nvPr/>
+        </p:nvSpPr>
+        <p:spPr>
+          <a:xfrm>
+            <a:off x="611560" y="1581826"/>
+            <a:ext cx="8156400" cy="3477875"/>
+          </a:xfrm>
+          <a:prstGeom prst="rect">
+            <a:avLst/>
+          </a:prstGeom>
+          <a:noFill/>
+        </p:spPr>
+        <p:txBody>
+          <a:bodyPr wrap="none" rtlCol="0">
+            <a:spAutoFit/>
+          </a:bodyPr>
+          <a:lstStyle/>
+          <a:p>
+            <a:r>
+              <a:rPr lang="en-US" altLang="zh-CN" sz="2000" dirty="0" smtClean="0">
+                <a:latin typeface="微软雅黑" pitchFamily="34" charset="-122"/>
+                <a:ea typeface="微软雅黑" pitchFamily="34" charset="-122"/>
+              </a:rPr>
+              <a:t>Go</a:t>
+            </a:r>
+            <a:r>
+              <a:rPr lang="zh-CN" altLang="en-US" sz="2000" dirty="0" smtClean="0">
+                <a:latin typeface="微软雅黑" pitchFamily="34" charset="-122"/>
+                <a:ea typeface="微软雅黑" pitchFamily="34" charset="-122"/>
+              </a:rPr>
+              <a:t>发展成熟了吗？</a:t>
+            </a:r>
+            <a:endParaRPr lang="en-US" altLang="zh-CN" sz="2000" dirty="0" smtClean="0">
+              <a:latin typeface="微软雅黑" pitchFamily="34" charset="-122"/>
+              <a:ea typeface="微软雅黑" pitchFamily="34" charset="-122"/>
+            </a:endParaRPr>
+          </a:p>
+          <a:p>
+            <a:endParaRPr lang="en-US" altLang="zh-CN" sz="2000" dirty="0">
+              <a:latin typeface="微软雅黑" pitchFamily="34" charset="-122"/>
+              <a:ea typeface="微软雅黑" pitchFamily="34" charset="-122"/>
+            </a:endParaRPr>
+          </a:p>
+          <a:p>
+            <a:r>
+              <a:rPr lang="en-US" altLang="zh-CN" sz="2000" dirty="0">
+                <a:latin typeface="微软雅黑" pitchFamily="34" charset="-122"/>
+                <a:ea typeface="微软雅黑" pitchFamily="34" charset="-122"/>
+              </a:rPr>
+              <a:t> </a:t>
+            </a:r>
+            <a:r>
+              <a:rPr lang="en-US" altLang="zh-CN" sz="2000" dirty="0" smtClean="0">
+                <a:latin typeface="微软雅黑" pitchFamily="34" charset="-122"/>
+                <a:ea typeface="微软雅黑" pitchFamily="34" charset="-122"/>
+              </a:rPr>
+              <a:t>       </a:t>
+            </a:r>
+            <a:r>
+              <a:rPr lang="zh-CN" altLang="en-US" sz="2000" dirty="0" smtClean="0">
+                <a:latin typeface="微软雅黑" pitchFamily="34" charset="-122"/>
+                <a:ea typeface="微软雅黑" pitchFamily="34" charset="-122"/>
+              </a:rPr>
+              <a:t>作为一门</a:t>
+            </a:r>
+            <a:r>
+              <a:rPr lang="en-US" altLang="zh-CN" sz="2000" dirty="0" smtClean="0">
+                <a:latin typeface="微软雅黑" pitchFamily="34" charset="-122"/>
+                <a:ea typeface="微软雅黑" pitchFamily="34" charset="-122"/>
+              </a:rPr>
+              <a:t>2009</a:t>
+            </a:r>
+            <a:r>
+              <a:rPr lang="zh-CN" altLang="en-US" sz="2000" dirty="0" smtClean="0">
+                <a:latin typeface="微软雅黑" pitchFamily="34" charset="-122"/>
+                <a:ea typeface="微软雅黑" pitchFamily="34" charset="-122"/>
+              </a:rPr>
+              <a:t>年才正式发布的编程语言，</a:t>
+            </a:r>
+            <a:r>
+              <a:rPr lang="en-US" altLang="zh-CN" sz="2000" dirty="0" smtClean="0">
+                <a:latin typeface="微软雅黑" pitchFamily="34" charset="-122"/>
+                <a:ea typeface="微软雅黑" pitchFamily="34" charset="-122"/>
+              </a:rPr>
+              <a:t>Go</a:t>
+            </a:r>
+            <a:r>
+              <a:rPr lang="zh-CN" altLang="en-US" sz="2000" dirty="0" smtClean="0">
+                <a:latin typeface="微软雅黑" pitchFamily="34" charset="-122"/>
+                <a:ea typeface="微软雅黑" pitchFamily="34" charset="-122"/>
+              </a:rPr>
+              <a:t>是非常年轻的，因此</a:t>
+            </a:r>
+            <a:endParaRPr lang="en-US" altLang="zh-CN" sz="2000" dirty="0" smtClean="0">
+              <a:latin typeface="微软雅黑" pitchFamily="34" charset="-122"/>
+              <a:ea typeface="微软雅黑" pitchFamily="34" charset="-122"/>
+            </a:endParaRPr>
+          </a:p>
+          <a:p>
+            <a:r>
+              <a:rPr lang="zh-CN" altLang="en-US" sz="2000" dirty="0" smtClean="0">
+                <a:latin typeface="微软雅黑" pitchFamily="34" charset="-122"/>
+                <a:ea typeface="微软雅黑" pitchFamily="34" charset="-122"/>
+              </a:rPr>
+              <a:t>不能称为一门成熟的编程语言，但开发社区每天都在不断更新其核心代</a:t>
+            </a:r>
+            <a:endParaRPr lang="en-US" altLang="zh-CN" sz="2000" dirty="0" smtClean="0">
+              <a:latin typeface="微软雅黑" pitchFamily="34" charset="-122"/>
+              <a:ea typeface="微软雅黑" pitchFamily="34" charset="-122"/>
+            </a:endParaRPr>
+          </a:p>
+          <a:p>
+            <a:r>
+              <a:rPr lang="zh-CN" altLang="en-US" sz="2000" dirty="0" smtClean="0">
+                <a:latin typeface="微软雅黑" pitchFamily="34" charset="-122"/>
+                <a:ea typeface="微软雅黑" pitchFamily="34" charset="-122"/>
+              </a:rPr>
+              <a:t>码，给我们这些爱好者给予了很大的学习和开发动力。</a:t>
+            </a:r>
+            <a:endParaRPr lang="en-US" altLang="zh-CN" sz="2000" dirty="0" smtClean="0">
+              <a:latin typeface="微软雅黑" pitchFamily="34" charset="-122"/>
+              <a:ea typeface="微软雅黑" pitchFamily="34" charset="-122"/>
+            </a:endParaRPr>
+          </a:p>
+          <a:p>
+            <a:endParaRPr lang="en-US" altLang="zh-CN" sz="2000" dirty="0">
+              <a:latin typeface="微软雅黑" pitchFamily="34" charset="-122"/>
+              <a:ea typeface="微软雅黑" pitchFamily="34" charset="-122"/>
+            </a:endParaRPr>
+          </a:p>
+          <a:p>
+            <a:r>
+              <a:rPr lang="en-US" altLang="zh-CN" sz="2000" dirty="0" smtClean="0">
+                <a:latin typeface="微软雅黑" pitchFamily="34" charset="-122"/>
+                <a:ea typeface="微软雅黑" pitchFamily="34" charset="-122"/>
+              </a:rPr>
+              <a:t>Go</a:t>
+            </a:r>
+            <a:r>
+              <a:rPr lang="zh-CN" altLang="en-US" sz="2000" dirty="0" smtClean="0">
+                <a:latin typeface="微软雅黑" pitchFamily="34" charset="-122"/>
+                <a:ea typeface="微软雅黑" pitchFamily="34" charset="-122"/>
+              </a:rPr>
+              <a:t>的爱好者多吗？</a:t>
+            </a:r>
+            <a:endParaRPr lang="en-US" altLang="zh-CN" sz="2000" dirty="0" smtClean="0">
+              <a:latin typeface="微软雅黑" pitchFamily="34" charset="-122"/>
+              <a:ea typeface="微软雅黑" pitchFamily="34" charset="-122"/>
+            </a:endParaRPr>
+          </a:p>
+          <a:p>
+            <a:endParaRPr lang="en-US" altLang="zh-CN" sz="2000" dirty="0">
+              <a:latin typeface="微软雅黑" pitchFamily="34" charset="-122"/>
+              <a:ea typeface="微软雅黑" pitchFamily="34" charset="-122"/>
+            </a:endParaRPr>
+          </a:p>
+          <a:p>
+            <a:r>
+              <a:rPr lang="en-US" altLang="zh-CN" sz="2000" dirty="0">
+                <a:latin typeface="微软雅黑" pitchFamily="34" charset="-122"/>
+                <a:ea typeface="微软雅黑" pitchFamily="34" charset="-122"/>
+              </a:rPr>
+              <a:t> </a:t>
+            </a:r>
+            <a:r>
+              <a:rPr lang="en-US" altLang="zh-CN" sz="2000" dirty="0" smtClean="0">
+                <a:latin typeface="微软雅黑" pitchFamily="34" charset="-122"/>
+                <a:ea typeface="微软雅黑" pitchFamily="34" charset="-122"/>
+              </a:rPr>
+              <a:t>       </a:t>
+            </a:r>
+            <a:r>
+              <a:rPr lang="zh-CN" altLang="en-US" sz="2000" dirty="0" smtClean="0">
+                <a:latin typeface="微软雅黑" pitchFamily="34" charset="-122"/>
+                <a:ea typeface="微软雅黑" pitchFamily="34" charset="-122"/>
+              </a:rPr>
+              <a:t>以</a:t>
+            </a:r>
+            <a:r>
+              <a:rPr lang="en-US" altLang="zh-CN" sz="2000" dirty="0" smtClean="0">
+                <a:latin typeface="微软雅黑" pitchFamily="34" charset="-122"/>
+                <a:ea typeface="微软雅黑" pitchFamily="34" charset="-122"/>
+              </a:rPr>
+              <a:t>Google Group</a:t>
+            </a:r>
+            <a:r>
+              <a:rPr lang="zh-CN" altLang="en-US" sz="2000" dirty="0" smtClean="0">
+                <a:latin typeface="微软雅黑" pitchFamily="34" charset="-122"/>
+                <a:ea typeface="微软雅黑" pitchFamily="34" charset="-122"/>
+              </a:rPr>
+              <a:t>为主的邮件列表每天都会更新</a:t>
+            </a:r>
+            <a:r>
+              <a:rPr lang="en-US" altLang="zh-CN" sz="2000" dirty="0" smtClean="0">
+                <a:latin typeface="微软雅黑" pitchFamily="34" charset="-122"/>
+                <a:ea typeface="微软雅黑" pitchFamily="34" charset="-122"/>
+              </a:rPr>
+              <a:t>10</a:t>
+            </a:r>
+            <a:r>
+              <a:rPr lang="zh-CN" altLang="en-US" sz="2000" dirty="0" smtClean="0">
+                <a:latin typeface="微软雅黑" pitchFamily="34" charset="-122"/>
+                <a:ea typeface="微软雅黑" pitchFamily="34" charset="-122"/>
+              </a:rPr>
+              <a:t>至</a:t>
+            </a:r>
+            <a:r>
+              <a:rPr lang="en-US" altLang="zh-CN" sz="2000" dirty="0" smtClean="0">
+                <a:latin typeface="微软雅黑" pitchFamily="34" charset="-122"/>
+                <a:ea typeface="微软雅黑" pitchFamily="34" charset="-122"/>
+              </a:rPr>
+              <a:t>20</a:t>
+            </a:r>
+            <a:r>
+              <a:rPr lang="zh-CN" altLang="en-US" sz="2000" dirty="0" smtClean="0">
+                <a:latin typeface="微软雅黑" pitchFamily="34" charset="-122"/>
+                <a:ea typeface="微软雅黑" pitchFamily="34" charset="-122"/>
+              </a:rPr>
+              <a:t>帖，国内</a:t>
+            </a:r>
+            <a:endParaRPr lang="en-US" altLang="zh-CN" sz="2000" dirty="0" smtClean="0">
+              <a:latin typeface="微软雅黑" pitchFamily="34" charset="-122"/>
+              <a:ea typeface="微软雅黑" pitchFamily="34" charset="-122"/>
+            </a:endParaRPr>
+          </a:p>
+          <a:p>
+            <a:r>
+              <a:rPr lang="zh-CN" altLang="en-US" sz="2000" dirty="0" smtClean="0">
+                <a:latin typeface="微软雅黑" pitchFamily="34" charset="-122"/>
+                <a:ea typeface="微软雅黑" pitchFamily="34" charset="-122"/>
+              </a:rPr>
+              <a:t>的</a:t>
+            </a:r>
+            <a:r>
+              <a:rPr lang="en-US" altLang="zh-CN" sz="2000" dirty="0" smtClean="0">
+                <a:latin typeface="微软雅黑" pitchFamily="34" charset="-122"/>
+                <a:ea typeface="微软雅黑" pitchFamily="34" charset="-122"/>
+              </a:rPr>
+              <a:t>Go</a:t>
+            </a:r>
+            <a:r>
+              <a:rPr lang="zh-CN" altLang="en-US" sz="2000" dirty="0" smtClean="0">
+                <a:latin typeface="微软雅黑" pitchFamily="34" charset="-122"/>
+                <a:ea typeface="微软雅黑" pitchFamily="34" charset="-122"/>
+              </a:rPr>
+              <a:t>爱好者</a:t>
+            </a:r>
+            <a:r>
+              <a:rPr lang="en-US" altLang="zh-CN" sz="2000" dirty="0" smtClean="0">
+                <a:latin typeface="微软雅黑" pitchFamily="34" charset="-122"/>
+                <a:ea typeface="微软雅黑" pitchFamily="34" charset="-122"/>
+              </a:rPr>
+              <a:t>QQ</a:t>
+            </a:r>
+            <a:r>
+              <a:rPr lang="zh-CN" altLang="en-US" sz="2000" dirty="0" smtClean="0">
+                <a:latin typeface="微软雅黑" pitchFamily="34" charset="-122"/>
+                <a:ea typeface="微软雅黑" pitchFamily="34" charset="-122"/>
+              </a:rPr>
+              <a:t>群和论坛每天也在进行大量的讨论，因此可以说目前</a:t>
+            </a:r>
+            <a:endParaRPr lang="en-US" altLang="zh-CN" sz="2000" dirty="0" smtClean="0">
+              <a:latin typeface="微软雅黑" pitchFamily="34" charset="-122"/>
+              <a:ea typeface="微软雅黑" pitchFamily="34" charset="-122"/>
+            </a:endParaRPr>
+          </a:p>
+          <a:p>
+            <a:r>
+              <a:rPr lang="en-US" altLang="zh-CN" sz="2000" dirty="0" smtClean="0">
+                <a:latin typeface="微软雅黑" pitchFamily="34" charset="-122"/>
+                <a:ea typeface="微软雅黑" pitchFamily="34" charset="-122"/>
+              </a:rPr>
+              <a:t>Go</a:t>
+            </a:r>
+            <a:r>
+              <a:rPr lang="zh-CN" altLang="en-US" sz="2000" dirty="0" smtClean="0">
+                <a:latin typeface="微软雅黑" pitchFamily="34" charset="-122"/>
+                <a:ea typeface="微软雅黑" pitchFamily="34" charset="-122"/>
+              </a:rPr>
+              <a:t>爱好者群体是足够壮大。</a:t>
+            </a:r>
+            <a:endParaRPr lang="en-US" altLang="zh-CN" sz="2000" dirty="0" smtClean="0">
+              <a:latin typeface="微软雅黑" pitchFamily="34" charset="-122"/>
+              <a:ea typeface="微软雅黑" pitchFamily="34" charset="-122"/>
+            </a:endParaRPr>
+          </a:p>
+        </p:txBody>
+      </p:sp>
+    </p:spTree>
+    <p:extLst>
+      <p:ext uri="{BB962C8B-B14F-4D97-AF65-F5344CB8AC3E}">
+        <p14:creationId xmlns:p14="http://schemas.microsoft.com/office/powerpoint/2010/main" val="467266520"/>
+      </p:ext>
+    </p:extLst>
+  </p:cSld>
+  <p:clrMapOvr>
+    <a:masterClrMapping/>
+  </p:clrMapOvr>
+  <p:timing>
+    <p:tnLst>
+      <p:par>
+        <p:cTn id="1" dur="indefinite" restart="never" nodeType="tmRoot"/>
+      </p:par>
+    </p:tnLst>
+  </p:timing>
+</p:sld>
+</file>
+
+<file path=ppt/slides/slide4.xml><?xml version="1.0" encoding="utf-8"?>
 <p:sld xmlns:a="http://schemas.openxmlformats.org/drawingml/2006/main" xmlns:r="http://schemas.openxmlformats.org/officeDocument/2006/relationships" xmlns:p="http://schemas.openxmlformats.org/presentationml/2006/main">
   <p:cSld>
     <p:spTree>

--- a/Go编程基础-课堂讲义.pptx
+++ b/Go编程基础-课堂讲义.pptx
@@ -8,7 +8,12 @@
     <p:sldId id="256" r:id="rId2"/>
     <p:sldId id="258" r:id="rId3"/>
     <p:sldId id="259" r:id="rId4"/>
-    <p:sldId id="257" r:id="rId5"/>
+    <p:sldId id="260" r:id="rId5"/>
+    <p:sldId id="262" r:id="rId6"/>
+    <p:sldId id="261" r:id="rId7"/>
+    <p:sldId id="263" r:id="rId8"/>
+    <p:sldId id="264" r:id="rId9"/>
+    <p:sldId id="257" r:id="rId10"/>
   </p:sldIdLst>
   <p:sldSz cx="9144000" cy="6858000" type="screen4x3"/>
   <p:notesSz cx="6858000" cy="9144000"/>
@@ -3422,7 +3427,7 @@
         <p:spPr>
           <a:xfrm>
             <a:off x="611560" y="1581826"/>
-            <a:ext cx="8191666" cy="4093428"/>
+            <a:ext cx="8191666" cy="4401205"/>
           </a:xfrm>
           <a:prstGeom prst="rect">
             <a:avLst/>
@@ -3829,7 +3834,41 @@
                 <a:latin typeface="微软雅黑" pitchFamily="34" charset="-122"/>
                 <a:ea typeface="微软雅黑" pitchFamily="34" charset="-122"/>
               </a:rPr>
-              <a:t>为多核计算机提供性能提升的方案</a:t>
+              <a:t>为多核计算机提供性能提升的</a:t>
+            </a:r>
+            <a:r>
+              <a:rPr lang="zh-CN" altLang="en-US" sz="2000" dirty="0" smtClean="0">
+                <a:latin typeface="微软雅黑" pitchFamily="34" charset="-122"/>
+                <a:ea typeface="微软雅黑" pitchFamily="34" charset="-122"/>
+              </a:rPr>
+              <a:t>方案</a:t>
+            </a:r>
+            <a:endParaRPr lang="en-US" altLang="zh-CN" sz="2000" dirty="0" smtClean="0">
+              <a:latin typeface="微软雅黑" pitchFamily="34" charset="-122"/>
+              <a:ea typeface="微软雅黑" pitchFamily="34" charset="-122"/>
+            </a:endParaRPr>
+          </a:p>
+          <a:p>
+            <a:pPr marL="342900" indent="-342900">
+              <a:buFontTx/>
+              <a:buChar char="-"/>
+            </a:pPr>
+            <a:r>
+              <a:rPr lang="en-US" altLang="zh-CN" sz="2000" dirty="0" smtClean="0">
+                <a:solidFill>
+                  <a:srgbClr val="00B0F0"/>
+                </a:solidFill>
+                <a:latin typeface="微软雅黑" pitchFamily="34" charset="-122"/>
+                <a:ea typeface="微软雅黑" pitchFamily="34" charset="-122"/>
+              </a:rPr>
+              <a:t>UTF-8</a:t>
+            </a:r>
+            <a:r>
+              <a:rPr lang="zh-CN" altLang="en-US" sz="2000" dirty="0" smtClean="0">
+                <a:latin typeface="微软雅黑" pitchFamily="34" charset="-122"/>
+                <a:ea typeface="微软雅黑" pitchFamily="34" charset="-122"/>
+              </a:rPr>
+              <a:t>编码支持</a:t>
             </a:r>
             <a:endParaRPr lang="zh-CN" altLang="en-US" sz="2000" dirty="0">
               <a:latin typeface="微软雅黑" pitchFamily="34" charset="-122"/>
@@ -4704,6 +4743,1837 @@
 </file>
 
 <file path=ppt/slides/slide4.xml><?xml version="1.0" encoding="utf-8"?>
+<p:sld xmlns:a="http://schemas.openxmlformats.org/drawingml/2006/main" xmlns:r="http://schemas.openxmlformats.org/officeDocument/2006/relationships" xmlns:p="http://schemas.openxmlformats.org/presentationml/2006/main">
+  <p:cSld>
+    <p:spTree>
+      <p:nvGrpSpPr>
+        <p:cNvPr id="1" name=""/>
+        <p:cNvGrpSpPr/>
+        <p:nvPr/>
+      </p:nvGrpSpPr>
+      <p:grpSpPr>
+        <a:xfrm>
+          <a:off x="0" y="0"/>
+          <a:ext cx="0" cy="0"/>
+          <a:chOff x="0" y="0"/>
+          <a:chExt cx="0" cy="0"/>
+        </a:xfrm>
+      </p:grpSpPr>
+      <p:sp>
+        <p:nvSpPr>
+          <p:cNvPr id="2" name="标题 1"/>
+          <p:cNvSpPr>
+            <a:spLocks noGrp="1"/>
+          </p:cNvSpPr>
+          <p:nvPr>
+            <p:ph type="ctrTitle"/>
+          </p:nvPr>
+        </p:nvSpPr>
+        <p:spPr>
+          <a:xfrm>
+            <a:off x="1475656" y="260648"/>
+            <a:ext cx="5902424" cy="1019199"/>
+          </a:xfrm>
+        </p:spPr>
+        <p:txBody>
+          <a:bodyPr/>
+          <a:lstStyle/>
+          <a:p>
+            <a:r>
+              <a:rPr lang="en-US" altLang="zh-CN" sz="6000" dirty="0" smtClean="0"/>
+              <a:t>Go</a:t>
+            </a:r>
+            <a:r>
+              <a:rPr lang="zh-CN" altLang="en-US" sz="6000" dirty="0" smtClean="0"/>
+              <a:t>编程基础</a:t>
+            </a:r>
+            <a:endParaRPr lang="zh-CN" altLang="en-US" sz="6000" dirty="0"/>
+          </a:p>
+        </p:txBody>
+      </p:sp>
+      <p:sp>
+        <p:nvSpPr>
+          <p:cNvPr id="3" name="副标题 2"/>
+          <p:cNvSpPr>
+            <a:spLocks noGrp="1"/>
+          </p:cNvSpPr>
+          <p:nvPr>
+            <p:ph type="subTitle" idx="1"/>
+          </p:nvPr>
+        </p:nvSpPr>
+        <p:spPr>
+          <a:xfrm>
+            <a:off x="6700192" y="6165304"/>
+            <a:ext cx="1688232" cy="492224"/>
+          </a:xfrm>
+        </p:spPr>
+        <p:txBody>
+          <a:bodyPr>
+            <a:normAutofit fontScale="92500"/>
+          </a:bodyPr>
+          <a:lstStyle/>
+          <a:p>
+            <a:r>
+              <a:rPr lang="zh-CN" altLang="en-US" b="1" dirty="0" smtClean="0">
+                <a:latin typeface="微软雅黑" pitchFamily="34" charset="-122"/>
+                <a:ea typeface="微软雅黑" pitchFamily="34" charset="-122"/>
+              </a:rPr>
+              <a:t>讲师：无闻</a:t>
+            </a:r>
+            <a:endParaRPr lang="zh-CN" altLang="en-US" b="1" dirty="0">
+              <a:latin typeface="微软雅黑" pitchFamily="34" charset="-122"/>
+              <a:ea typeface="微软雅黑" pitchFamily="34" charset="-122"/>
+            </a:endParaRPr>
+          </a:p>
+        </p:txBody>
+      </p:sp>
+      <p:sp>
+        <p:nvSpPr>
+          <p:cNvPr id="4" name="TextBox 3"/>
+          <p:cNvSpPr txBox="1"/>
+          <p:nvPr/>
+        </p:nvSpPr>
+        <p:spPr>
+          <a:xfrm>
+            <a:off x="611560" y="1581826"/>
+            <a:ext cx="4968348" cy="4401205"/>
+          </a:xfrm>
+          <a:prstGeom prst="rect">
+            <a:avLst/>
+          </a:prstGeom>
+          <a:noFill/>
+        </p:spPr>
+        <p:txBody>
+          <a:bodyPr wrap="none" rtlCol="0">
+            <a:spAutoFit/>
+          </a:bodyPr>
+          <a:lstStyle/>
+          <a:p>
+            <a:r>
+              <a:rPr lang="zh-CN" altLang="en-US" sz="2000" dirty="0" smtClean="0">
+                <a:latin typeface="微软雅黑" pitchFamily="34" charset="-122"/>
+                <a:ea typeface="微软雅黑" pitchFamily="34" charset="-122"/>
+              </a:rPr>
+              <a:t>安装</a:t>
+            </a:r>
+            <a:r>
+              <a:rPr lang="en-US" altLang="zh-CN" sz="2000" dirty="0" smtClean="0">
+                <a:latin typeface="微软雅黑" pitchFamily="34" charset="-122"/>
+                <a:ea typeface="微软雅黑" pitchFamily="34" charset="-122"/>
+              </a:rPr>
+              <a:t>Go</a:t>
+            </a:r>
+            <a:r>
+              <a:rPr lang="zh-CN" altLang="en-US" sz="2000" dirty="0" smtClean="0">
+                <a:latin typeface="微软雅黑" pitchFamily="34" charset="-122"/>
+                <a:ea typeface="微软雅黑" pitchFamily="34" charset="-122"/>
+              </a:rPr>
+              <a:t>语言</a:t>
+            </a:r>
+            <a:endParaRPr lang="en-US" altLang="zh-CN" sz="2000" dirty="0" smtClean="0">
+              <a:latin typeface="微软雅黑" pitchFamily="34" charset="-122"/>
+              <a:ea typeface="微软雅黑" pitchFamily="34" charset="-122"/>
+            </a:endParaRPr>
+          </a:p>
+          <a:p>
+            <a:endParaRPr lang="en-US" altLang="zh-CN" sz="2000" dirty="0">
+              <a:latin typeface="微软雅黑" pitchFamily="34" charset="-122"/>
+              <a:ea typeface="微软雅黑" pitchFamily="34" charset="-122"/>
+            </a:endParaRPr>
+          </a:p>
+          <a:p>
+            <a:pPr marL="342900" indent="-342900">
+              <a:buFontTx/>
+              <a:buChar char="-"/>
+            </a:pPr>
+            <a:r>
+              <a:rPr lang="en-US" altLang="zh-CN" sz="2000" dirty="0" smtClean="0">
+                <a:latin typeface="微软雅黑" pitchFamily="34" charset="-122"/>
+                <a:ea typeface="微软雅黑" pitchFamily="34" charset="-122"/>
+              </a:rPr>
+              <a:t>Go</a:t>
+            </a:r>
+            <a:r>
+              <a:rPr lang="zh-CN" altLang="en-US" sz="2000" dirty="0" smtClean="0">
+                <a:latin typeface="微软雅黑" pitchFamily="34" charset="-122"/>
+                <a:ea typeface="微软雅黑" pitchFamily="34" charset="-122"/>
+              </a:rPr>
+              <a:t>源码安装：</a:t>
+            </a:r>
+            <a:r>
+              <a:rPr lang="zh-CN" altLang="en-US" sz="2000" dirty="0" smtClean="0">
+                <a:latin typeface="微软雅黑" pitchFamily="34" charset="-122"/>
+                <a:ea typeface="微软雅黑" pitchFamily="34" charset="-122"/>
+                <a:hlinkClick r:id="rId2"/>
+              </a:rPr>
+              <a:t>参考链接</a:t>
+            </a:r>
+            <a:endParaRPr lang="en-US" altLang="zh-CN" sz="2000" dirty="0" smtClean="0">
+              <a:latin typeface="微软雅黑" pitchFamily="34" charset="-122"/>
+              <a:ea typeface="微软雅黑" pitchFamily="34" charset="-122"/>
+            </a:endParaRPr>
+          </a:p>
+          <a:p>
+            <a:pPr marL="342900" indent="-342900">
+              <a:buFontTx/>
+              <a:buChar char="-"/>
+            </a:pPr>
+            <a:r>
+              <a:rPr lang="en-US" altLang="zh-CN" sz="2000" dirty="0" smtClean="0">
+                <a:latin typeface="微软雅黑" pitchFamily="34" charset="-122"/>
+                <a:ea typeface="微软雅黑" pitchFamily="34" charset="-122"/>
+              </a:rPr>
+              <a:t>Go</a:t>
+            </a:r>
+            <a:r>
+              <a:rPr lang="zh-CN" altLang="en-US" sz="2000" dirty="0" smtClean="0">
+                <a:latin typeface="微软雅黑" pitchFamily="34" charset="-122"/>
+                <a:ea typeface="微软雅黑" pitchFamily="34" charset="-122"/>
+              </a:rPr>
+              <a:t>标准包安装：</a:t>
+            </a:r>
+            <a:r>
+              <a:rPr lang="zh-CN" altLang="en-US" sz="2000" dirty="0" smtClean="0">
+                <a:latin typeface="微软雅黑" pitchFamily="34" charset="-122"/>
+                <a:ea typeface="微软雅黑" pitchFamily="34" charset="-122"/>
+                <a:hlinkClick r:id="rId3"/>
+              </a:rPr>
+              <a:t>下载地址</a:t>
+            </a:r>
+            <a:endParaRPr lang="en-US" altLang="zh-CN" sz="2000" dirty="0" smtClean="0">
+              <a:latin typeface="微软雅黑" pitchFamily="34" charset="-122"/>
+              <a:ea typeface="微软雅黑" pitchFamily="34" charset="-122"/>
+            </a:endParaRPr>
+          </a:p>
+          <a:p>
+            <a:pPr marL="342900" indent="-342900">
+              <a:buFontTx/>
+              <a:buChar char="-"/>
+            </a:pPr>
+            <a:r>
+              <a:rPr lang="zh-CN" altLang="en-US" sz="2000" dirty="0" smtClean="0">
+                <a:latin typeface="微软雅黑" pitchFamily="34" charset="-122"/>
+                <a:ea typeface="微软雅黑" pitchFamily="34" charset="-122"/>
+              </a:rPr>
+              <a:t>第三方工具安装</a:t>
+            </a:r>
+            <a:endParaRPr lang="en-US" altLang="zh-CN" sz="2000" dirty="0" smtClean="0">
+              <a:latin typeface="微软雅黑" pitchFamily="34" charset="-122"/>
+              <a:ea typeface="微软雅黑" pitchFamily="34" charset="-122"/>
+            </a:endParaRPr>
+          </a:p>
+          <a:p>
+            <a:pPr marL="342900" indent="-342900">
+              <a:buFontTx/>
+              <a:buChar char="-"/>
+            </a:pPr>
+            <a:endParaRPr lang="en-US" altLang="zh-CN" sz="2000" dirty="0" smtClean="0">
+              <a:latin typeface="微软雅黑" pitchFamily="34" charset="-122"/>
+              <a:ea typeface="微软雅黑" pitchFamily="34" charset="-122"/>
+            </a:endParaRPr>
+          </a:p>
+          <a:p>
+            <a:pPr marL="342900" indent="-342900">
+              <a:buFontTx/>
+              <a:buChar char="-"/>
+            </a:pPr>
+            <a:endParaRPr lang="en-US" altLang="zh-CN" sz="2000" dirty="0">
+              <a:latin typeface="微软雅黑" pitchFamily="34" charset="-122"/>
+              <a:ea typeface="微软雅黑" pitchFamily="34" charset="-122"/>
+            </a:endParaRPr>
+          </a:p>
+          <a:p>
+            <a:pPr marL="342900" indent="-342900">
+              <a:buFontTx/>
+              <a:buChar char="-"/>
+            </a:pPr>
+            <a:endParaRPr lang="en-US" altLang="zh-CN" sz="2000" dirty="0">
+              <a:latin typeface="微软雅黑" pitchFamily="34" charset="-122"/>
+              <a:ea typeface="微软雅黑" pitchFamily="34" charset="-122"/>
+            </a:endParaRPr>
+          </a:p>
+          <a:p>
+            <a:r>
+              <a:rPr lang="en-US" altLang="zh-CN" sz="2000" dirty="0" smtClean="0">
+                <a:latin typeface="微软雅黑" pitchFamily="34" charset="-122"/>
+                <a:ea typeface="微软雅黑" pitchFamily="34" charset="-122"/>
+              </a:rPr>
+              <a:t>Go</a:t>
+            </a:r>
+            <a:r>
+              <a:rPr lang="zh-CN" altLang="en-US" sz="2000" dirty="0" smtClean="0">
+                <a:latin typeface="微软雅黑" pitchFamily="34" charset="-122"/>
+                <a:ea typeface="微软雅黑" pitchFamily="34" charset="-122"/>
+              </a:rPr>
+              <a:t>环境变量与工作目录</a:t>
+            </a:r>
+            <a:endParaRPr lang="en-US" altLang="zh-CN" sz="2000" dirty="0" smtClean="0">
+              <a:latin typeface="微软雅黑" pitchFamily="34" charset="-122"/>
+              <a:ea typeface="微软雅黑" pitchFamily="34" charset="-122"/>
+            </a:endParaRPr>
+          </a:p>
+          <a:p>
+            <a:endParaRPr lang="en-US" altLang="zh-CN" sz="2000" dirty="0">
+              <a:latin typeface="微软雅黑" pitchFamily="34" charset="-122"/>
+              <a:ea typeface="微软雅黑" pitchFamily="34" charset="-122"/>
+            </a:endParaRPr>
+          </a:p>
+          <a:p>
+            <a:r>
+              <a:rPr lang="zh-CN" altLang="en-US" sz="2000" dirty="0" smtClean="0">
+                <a:latin typeface="微软雅黑" pitchFamily="34" charset="-122"/>
+                <a:ea typeface="微软雅黑" pitchFamily="34" charset="-122"/>
+              </a:rPr>
+              <a:t>根据约定，</a:t>
+            </a:r>
+            <a:r>
+              <a:rPr lang="en-US" altLang="zh-CN" sz="2000" dirty="0" smtClean="0">
+                <a:latin typeface="微软雅黑" pitchFamily="34" charset="-122"/>
+                <a:ea typeface="微软雅黑" pitchFamily="34" charset="-122"/>
+              </a:rPr>
+              <a:t>GOPATH</a:t>
+            </a:r>
+            <a:r>
+              <a:rPr lang="zh-CN" altLang="en-US" sz="2000" dirty="0" smtClean="0">
+                <a:latin typeface="微软雅黑" pitchFamily="34" charset="-122"/>
+                <a:ea typeface="微软雅黑" pitchFamily="34" charset="-122"/>
+              </a:rPr>
+              <a:t>下需要建立</a:t>
+            </a:r>
+            <a:r>
+              <a:rPr lang="en-US" altLang="zh-CN" sz="2000" dirty="0" smtClean="0">
+                <a:latin typeface="微软雅黑" pitchFamily="34" charset="-122"/>
+                <a:ea typeface="微软雅黑" pitchFamily="34" charset="-122"/>
+              </a:rPr>
+              <a:t>3</a:t>
+            </a:r>
+            <a:r>
+              <a:rPr lang="zh-CN" altLang="en-US" sz="2000" dirty="0" smtClean="0">
+                <a:latin typeface="微软雅黑" pitchFamily="34" charset="-122"/>
+                <a:ea typeface="微软雅黑" pitchFamily="34" charset="-122"/>
+              </a:rPr>
+              <a:t>个目录：</a:t>
+            </a:r>
+            <a:endParaRPr lang="en-US" altLang="zh-CN" sz="2000" dirty="0" smtClean="0">
+              <a:latin typeface="微软雅黑" pitchFamily="34" charset="-122"/>
+              <a:ea typeface="微软雅黑" pitchFamily="34" charset="-122"/>
+            </a:endParaRPr>
+          </a:p>
+          <a:p>
+            <a:pPr marL="342900" indent="-342900">
+              <a:buFontTx/>
+              <a:buChar char="-"/>
+            </a:pPr>
+            <a:r>
+              <a:rPr lang="en-US" altLang="zh-CN" sz="2000" dirty="0" smtClean="0">
+                <a:latin typeface="微软雅黑" pitchFamily="34" charset="-122"/>
+                <a:ea typeface="微软雅黑" pitchFamily="34" charset="-122"/>
+              </a:rPr>
+              <a:t>bin</a:t>
+            </a:r>
+            <a:r>
+              <a:rPr lang="zh-CN" altLang="en-US" sz="2000" dirty="0" smtClean="0">
+                <a:latin typeface="微软雅黑" pitchFamily="34" charset="-122"/>
+                <a:ea typeface="微软雅黑" pitchFamily="34" charset="-122"/>
+              </a:rPr>
+              <a:t>（存放编译后生成的可执行文件）</a:t>
+            </a:r>
+            <a:endParaRPr lang="en-US" altLang="zh-CN" sz="2000" dirty="0">
+              <a:latin typeface="微软雅黑" pitchFamily="34" charset="-122"/>
+              <a:ea typeface="微软雅黑" pitchFamily="34" charset="-122"/>
+            </a:endParaRPr>
+          </a:p>
+          <a:p>
+            <a:pPr marL="342900" indent="-342900">
+              <a:buFontTx/>
+              <a:buChar char="-"/>
+            </a:pPr>
+            <a:r>
+              <a:rPr lang="en-US" altLang="zh-CN" sz="2000" dirty="0" err="1" smtClean="0">
+                <a:latin typeface="微软雅黑" pitchFamily="34" charset="-122"/>
+                <a:ea typeface="微软雅黑" pitchFamily="34" charset="-122"/>
+              </a:rPr>
+              <a:t>pkg</a:t>
+            </a:r>
+            <a:r>
+              <a:rPr lang="zh-CN" altLang="en-US" sz="2000" dirty="0" smtClean="0">
+                <a:latin typeface="微软雅黑" pitchFamily="34" charset="-122"/>
+                <a:ea typeface="微软雅黑" pitchFamily="34" charset="-122"/>
+              </a:rPr>
+              <a:t>（存放编译后生成的包文件）</a:t>
+            </a:r>
+            <a:endParaRPr lang="en-US" altLang="zh-CN" sz="2000" dirty="0" smtClean="0">
+              <a:latin typeface="微软雅黑" pitchFamily="34" charset="-122"/>
+              <a:ea typeface="微软雅黑" pitchFamily="34" charset="-122"/>
+            </a:endParaRPr>
+          </a:p>
+          <a:p>
+            <a:pPr marL="342900" indent="-342900">
+              <a:buFontTx/>
+              <a:buChar char="-"/>
+            </a:pPr>
+            <a:r>
+              <a:rPr lang="en-US" altLang="zh-CN" sz="2000" dirty="0" err="1" smtClean="0">
+                <a:latin typeface="微软雅黑" pitchFamily="34" charset="-122"/>
+                <a:ea typeface="微软雅黑" pitchFamily="34" charset="-122"/>
+              </a:rPr>
+              <a:t>src</a:t>
+            </a:r>
+            <a:r>
+              <a:rPr lang="zh-CN" altLang="en-US" sz="2000" dirty="0" smtClean="0">
+                <a:latin typeface="微软雅黑" pitchFamily="34" charset="-122"/>
+                <a:ea typeface="微软雅黑" pitchFamily="34" charset="-122"/>
+              </a:rPr>
+              <a:t>（存放项目源码）</a:t>
+            </a:r>
+            <a:endParaRPr lang="en-US" altLang="zh-CN" sz="2000" dirty="0">
+              <a:latin typeface="微软雅黑" pitchFamily="34" charset="-122"/>
+              <a:ea typeface="微软雅黑" pitchFamily="34" charset="-122"/>
+            </a:endParaRPr>
+          </a:p>
+        </p:txBody>
+      </p:sp>
+      <p:pic>
+        <p:nvPicPr>
+          <p:cNvPr id="1026" name="Picture 2"/>
+          <p:cNvPicPr>
+            <a:picLocks noChangeAspect="1" noChangeArrowheads="1"/>
+          </p:cNvPicPr>
+          <p:nvPr/>
+        </p:nvPicPr>
+        <p:blipFill>
+          <a:blip r:embed="rId4">
+            <a:extLst>
+              <a:ext uri="{28A0092B-C50C-407E-A947-70E740481C1C}">
+                <a14:useLocalDpi xmlns:a14="http://schemas.microsoft.com/office/drawing/2010/main" val="0"/>
+              </a:ext>
+            </a:extLst>
+          </a:blip>
+          <a:srcRect/>
+          <a:stretch>
+            <a:fillRect/>
+          </a:stretch>
+        </p:blipFill>
+        <p:spPr bwMode="auto">
+          <a:xfrm>
+            <a:off x="4355976" y="1581826"/>
+            <a:ext cx="4391496" cy="2711271"/>
+          </a:xfrm>
+          <a:prstGeom prst="rect">
+            <a:avLst/>
+          </a:prstGeom>
+          <a:noFill/>
+          <a:ln>
+            <a:noFill/>
+          </a:ln>
+          <a:effectLst/>
+          <a:extLst>
+            <a:ext uri="{909E8E84-426E-40DD-AFC4-6F175D3DCCD1}">
+              <a14:hiddenFill xmlns:a14="http://schemas.microsoft.com/office/drawing/2010/main">
+                <a:solidFill>
+                  <a:schemeClr val="accent1"/>
+                </a:solidFill>
+              </a14:hiddenFill>
+            </a:ext>
+            <a:ext uri="{91240B29-F687-4F45-9708-019B960494DF}">
+              <a14:hiddenLine xmlns:a14="http://schemas.microsoft.com/office/drawing/2010/main" w="9525">
+                <a:solidFill>
+                  <a:schemeClr val="tx1"/>
+                </a:solidFill>
+                <a:miter lim="800000"/>
+                <a:headEnd/>
+                <a:tailEnd/>
+              </a14:hiddenLine>
+            </a:ext>
+            <a:ext uri="{AF507438-7753-43E0-B8FC-AC1667EBCBE1}">
+              <a14:hiddenEffects xmlns:a14="http://schemas.microsoft.com/office/drawing/2010/main">
+                <a:effectLst>
+                  <a:outerShdw dist="35921" dir="2700000" algn="ctr" rotWithShape="0">
+                    <a:schemeClr val="bg2"/>
+                  </a:outerShdw>
+                </a:effectLst>
+              </a14:hiddenEffects>
+            </a:ext>
+          </a:extLst>
+        </p:spPr>
+      </p:pic>
+    </p:spTree>
+    <p:extLst>
+      <p:ext uri="{BB962C8B-B14F-4D97-AF65-F5344CB8AC3E}">
+        <p14:creationId xmlns:p14="http://schemas.microsoft.com/office/powerpoint/2010/main" val="3709370300"/>
+      </p:ext>
+    </p:extLst>
+  </p:cSld>
+  <p:clrMapOvr>
+    <a:masterClrMapping/>
+  </p:clrMapOvr>
+  <p:timing>
+    <p:tnLst>
+      <p:par>
+        <p:cTn id="1" dur="indefinite" restart="never" nodeType="tmRoot"/>
+      </p:par>
+    </p:tnLst>
+  </p:timing>
+</p:sld>
+</file>
+
+<file path=ppt/slides/slide5.xml><?xml version="1.0" encoding="utf-8"?>
+<p:sld xmlns:a="http://schemas.openxmlformats.org/drawingml/2006/main" xmlns:r="http://schemas.openxmlformats.org/officeDocument/2006/relationships" xmlns:p="http://schemas.openxmlformats.org/presentationml/2006/main">
+  <p:cSld>
+    <p:spTree>
+      <p:nvGrpSpPr>
+        <p:cNvPr id="1" name=""/>
+        <p:cNvGrpSpPr/>
+        <p:nvPr/>
+      </p:nvGrpSpPr>
+      <p:grpSpPr>
+        <a:xfrm>
+          <a:off x="0" y="0"/>
+          <a:ext cx="0" cy="0"/>
+          <a:chOff x="0" y="0"/>
+          <a:chExt cx="0" cy="0"/>
+        </a:xfrm>
+      </p:grpSpPr>
+      <p:sp>
+        <p:nvSpPr>
+          <p:cNvPr id="2" name="标题 1"/>
+          <p:cNvSpPr>
+            <a:spLocks noGrp="1"/>
+          </p:cNvSpPr>
+          <p:nvPr>
+            <p:ph type="ctrTitle"/>
+          </p:nvPr>
+        </p:nvSpPr>
+        <p:spPr>
+          <a:xfrm>
+            <a:off x="1475656" y="260648"/>
+            <a:ext cx="5902424" cy="1019199"/>
+          </a:xfrm>
+        </p:spPr>
+        <p:txBody>
+          <a:bodyPr/>
+          <a:lstStyle/>
+          <a:p>
+            <a:r>
+              <a:rPr lang="en-US" altLang="zh-CN" sz="6000" dirty="0" smtClean="0"/>
+              <a:t>Go</a:t>
+            </a:r>
+            <a:r>
+              <a:rPr lang="zh-CN" altLang="en-US" sz="6000" dirty="0" smtClean="0"/>
+              <a:t>编程基础</a:t>
+            </a:r>
+            <a:endParaRPr lang="zh-CN" altLang="en-US" sz="6000" dirty="0"/>
+          </a:p>
+        </p:txBody>
+      </p:sp>
+      <p:sp>
+        <p:nvSpPr>
+          <p:cNvPr id="3" name="副标题 2"/>
+          <p:cNvSpPr>
+            <a:spLocks noGrp="1"/>
+          </p:cNvSpPr>
+          <p:nvPr>
+            <p:ph type="subTitle" idx="1"/>
+          </p:nvPr>
+        </p:nvSpPr>
+        <p:spPr>
+          <a:xfrm>
+            <a:off x="6700192" y="6165304"/>
+            <a:ext cx="1688232" cy="492224"/>
+          </a:xfrm>
+        </p:spPr>
+        <p:txBody>
+          <a:bodyPr>
+            <a:normAutofit fontScale="92500"/>
+          </a:bodyPr>
+          <a:lstStyle/>
+          <a:p>
+            <a:r>
+              <a:rPr lang="zh-CN" altLang="en-US" b="1" dirty="0" smtClean="0">
+                <a:latin typeface="微软雅黑" pitchFamily="34" charset="-122"/>
+                <a:ea typeface="微软雅黑" pitchFamily="34" charset="-122"/>
+              </a:rPr>
+              <a:t>讲师：无闻</a:t>
+            </a:r>
+            <a:endParaRPr lang="zh-CN" altLang="en-US" b="1" dirty="0">
+              <a:latin typeface="微软雅黑" pitchFamily="34" charset="-122"/>
+              <a:ea typeface="微软雅黑" pitchFamily="34" charset="-122"/>
+            </a:endParaRPr>
+          </a:p>
+        </p:txBody>
+      </p:sp>
+      <p:sp>
+        <p:nvSpPr>
+          <p:cNvPr id="4" name="TextBox 3"/>
+          <p:cNvSpPr txBox="1"/>
+          <p:nvPr/>
+        </p:nvSpPr>
+        <p:spPr>
+          <a:xfrm>
+            <a:off x="611560" y="1581826"/>
+            <a:ext cx="6386685" cy="4093428"/>
+          </a:xfrm>
+          <a:prstGeom prst="rect">
+            <a:avLst/>
+          </a:prstGeom>
+          <a:noFill/>
+        </p:spPr>
+        <p:txBody>
+          <a:bodyPr wrap="none" rtlCol="0">
+            <a:spAutoFit/>
+          </a:bodyPr>
+          <a:lstStyle/>
+          <a:p>
+            <a:r>
+              <a:rPr lang="en-US" altLang="zh-CN" sz="2000" dirty="0" smtClean="0">
+                <a:latin typeface="微软雅黑" pitchFamily="34" charset="-122"/>
+                <a:ea typeface="微软雅黑" pitchFamily="34" charset="-122"/>
+              </a:rPr>
+              <a:t>Go</a:t>
+            </a:r>
+            <a:r>
+              <a:rPr lang="zh-CN" altLang="en-US" sz="2000" dirty="0" smtClean="0">
+                <a:latin typeface="微软雅黑" pitchFamily="34" charset="-122"/>
+                <a:ea typeface="微软雅黑" pitchFamily="34" charset="-122"/>
+              </a:rPr>
+              <a:t>命令</a:t>
+            </a:r>
+            <a:endParaRPr lang="en-US" altLang="zh-CN" sz="2000" dirty="0" smtClean="0">
+              <a:latin typeface="微软雅黑" pitchFamily="34" charset="-122"/>
+              <a:ea typeface="微软雅黑" pitchFamily="34" charset="-122"/>
+            </a:endParaRPr>
+          </a:p>
+          <a:p>
+            <a:endParaRPr lang="en-US" altLang="zh-CN" sz="2000" dirty="0">
+              <a:latin typeface="微软雅黑" pitchFamily="34" charset="-122"/>
+              <a:ea typeface="微软雅黑" pitchFamily="34" charset="-122"/>
+            </a:endParaRPr>
+          </a:p>
+          <a:p>
+            <a:r>
+              <a:rPr lang="en-US" altLang="zh-CN" sz="2000" dirty="0">
+                <a:latin typeface="微软雅黑" pitchFamily="34" charset="-122"/>
+                <a:ea typeface="微软雅黑" pitchFamily="34" charset="-122"/>
+              </a:rPr>
+              <a:t> </a:t>
+            </a:r>
+            <a:r>
+              <a:rPr lang="en-US" altLang="zh-CN" sz="2000" dirty="0" smtClean="0">
+                <a:latin typeface="微软雅黑" pitchFamily="34" charset="-122"/>
+                <a:ea typeface="微软雅黑" pitchFamily="34" charset="-122"/>
+              </a:rPr>
+              <a:t>       </a:t>
+            </a:r>
+            <a:r>
+              <a:rPr lang="zh-CN" altLang="en-US" sz="2000" dirty="0" smtClean="0">
+                <a:latin typeface="微软雅黑" pitchFamily="34" charset="-122"/>
+                <a:ea typeface="微软雅黑" pitchFamily="34" charset="-122"/>
+              </a:rPr>
+              <a:t>在命令行或终端输入</a:t>
+            </a:r>
+            <a:r>
+              <a:rPr lang="en-US" altLang="zh-CN" sz="2000" dirty="0" smtClean="0">
+                <a:solidFill>
+                  <a:srgbClr val="7030A0"/>
+                </a:solidFill>
+                <a:latin typeface="微软雅黑" pitchFamily="34" charset="-122"/>
+                <a:ea typeface="微软雅黑" pitchFamily="34" charset="-122"/>
+              </a:rPr>
+              <a:t>go</a:t>
+            </a:r>
+            <a:r>
+              <a:rPr lang="zh-CN" altLang="en-US" sz="2000" dirty="0" smtClean="0">
+                <a:latin typeface="微软雅黑" pitchFamily="34" charset="-122"/>
+                <a:ea typeface="微软雅黑" pitchFamily="34" charset="-122"/>
+              </a:rPr>
+              <a:t>即可查看所有支持的命令</a:t>
+            </a:r>
+            <a:endParaRPr lang="en-US" altLang="zh-CN" sz="2000" dirty="0" smtClean="0">
+              <a:latin typeface="微软雅黑" pitchFamily="34" charset="-122"/>
+              <a:ea typeface="微软雅黑" pitchFamily="34" charset="-122"/>
+            </a:endParaRPr>
+          </a:p>
+          <a:p>
+            <a:endParaRPr lang="en-US" altLang="zh-CN" sz="2000" dirty="0">
+              <a:latin typeface="微软雅黑" pitchFamily="34" charset="-122"/>
+              <a:ea typeface="微软雅黑" pitchFamily="34" charset="-122"/>
+            </a:endParaRPr>
+          </a:p>
+          <a:p>
+            <a:r>
+              <a:rPr lang="en-US" altLang="zh-CN" sz="2000" dirty="0" smtClean="0">
+                <a:latin typeface="微软雅黑" pitchFamily="34" charset="-122"/>
+                <a:ea typeface="微软雅黑" pitchFamily="34" charset="-122"/>
+              </a:rPr>
+              <a:t>Go</a:t>
+            </a:r>
+            <a:r>
+              <a:rPr lang="zh-CN" altLang="en-US" sz="2000" dirty="0" smtClean="0">
+                <a:latin typeface="微软雅黑" pitchFamily="34" charset="-122"/>
+                <a:ea typeface="微软雅黑" pitchFamily="34" charset="-122"/>
+              </a:rPr>
+              <a:t>常用命令简介</a:t>
+            </a:r>
+            <a:endParaRPr lang="en-US" altLang="zh-CN" sz="2000" dirty="0" smtClean="0">
+              <a:latin typeface="微软雅黑" pitchFamily="34" charset="-122"/>
+              <a:ea typeface="微软雅黑" pitchFamily="34" charset="-122"/>
+            </a:endParaRPr>
+          </a:p>
+          <a:p>
+            <a:endParaRPr lang="en-US" altLang="zh-CN" sz="2000" dirty="0" smtClean="0">
+              <a:latin typeface="微软雅黑" pitchFamily="34" charset="-122"/>
+              <a:ea typeface="微软雅黑" pitchFamily="34" charset="-122"/>
+            </a:endParaRPr>
+          </a:p>
+          <a:p>
+            <a:pPr marL="342900" indent="-342900">
+              <a:buFontTx/>
+              <a:buChar char="-"/>
+            </a:pPr>
+            <a:r>
+              <a:rPr lang="en-US" altLang="zh-CN" sz="2000" dirty="0" smtClean="0">
+                <a:latin typeface="微软雅黑" pitchFamily="34" charset="-122"/>
+                <a:ea typeface="微软雅黑" pitchFamily="34" charset="-122"/>
+              </a:rPr>
+              <a:t>go get</a:t>
+            </a:r>
+            <a:r>
+              <a:rPr lang="zh-CN" altLang="en-US" sz="2000" dirty="0" smtClean="0">
+                <a:latin typeface="微软雅黑" pitchFamily="34" charset="-122"/>
+                <a:ea typeface="微软雅黑" pitchFamily="34" charset="-122"/>
+              </a:rPr>
+              <a:t>：获取远程包（需 </a:t>
+            </a:r>
+            <a:r>
+              <a:rPr lang="zh-CN" altLang="en-US" sz="2000" b="1" dirty="0" smtClean="0">
+                <a:solidFill>
+                  <a:srgbClr val="FF0000"/>
+                </a:solidFill>
+                <a:latin typeface="微软雅黑" pitchFamily="34" charset="-122"/>
+                <a:ea typeface="微软雅黑" pitchFamily="34" charset="-122"/>
+              </a:rPr>
+              <a:t>提前安装 </a:t>
+            </a:r>
+            <a:r>
+              <a:rPr lang="en-US" altLang="zh-CN" sz="2000" dirty="0" err="1" smtClean="0">
+                <a:latin typeface="微软雅黑" pitchFamily="34" charset="-122"/>
+                <a:ea typeface="微软雅黑" pitchFamily="34" charset="-122"/>
+              </a:rPr>
+              <a:t>git</a:t>
+            </a:r>
+            <a:r>
+              <a:rPr lang="zh-CN" altLang="en-US" sz="2000" dirty="0" smtClean="0">
+                <a:latin typeface="微软雅黑" pitchFamily="34" charset="-122"/>
+                <a:ea typeface="微软雅黑" pitchFamily="34" charset="-122"/>
+              </a:rPr>
+              <a:t>或</a:t>
+            </a:r>
+            <a:r>
+              <a:rPr lang="en-US" altLang="zh-CN" sz="2000" dirty="0" smtClean="0">
+                <a:latin typeface="微软雅黑" pitchFamily="34" charset="-122"/>
+                <a:ea typeface="微软雅黑" pitchFamily="34" charset="-122"/>
+              </a:rPr>
+              <a:t>hg</a:t>
+            </a:r>
+            <a:r>
+              <a:rPr lang="zh-CN" altLang="en-US" sz="2000" dirty="0" smtClean="0">
+                <a:latin typeface="微软雅黑" pitchFamily="34" charset="-122"/>
+                <a:ea typeface="微软雅黑" pitchFamily="34" charset="-122"/>
+              </a:rPr>
+              <a:t>）</a:t>
+            </a:r>
+            <a:endParaRPr lang="en-US" altLang="zh-CN" sz="2000" dirty="0" smtClean="0">
+              <a:latin typeface="微软雅黑" pitchFamily="34" charset="-122"/>
+              <a:ea typeface="微软雅黑" pitchFamily="34" charset="-122"/>
+            </a:endParaRPr>
+          </a:p>
+          <a:p>
+            <a:pPr marL="342900" indent="-342900">
+              <a:buFontTx/>
+              <a:buChar char="-"/>
+            </a:pPr>
+            <a:r>
+              <a:rPr lang="en-US" altLang="zh-CN" sz="2000" dirty="0" smtClean="0">
+                <a:latin typeface="微软雅黑" pitchFamily="34" charset="-122"/>
+                <a:ea typeface="微软雅黑" pitchFamily="34" charset="-122"/>
+              </a:rPr>
+              <a:t>go run</a:t>
+            </a:r>
+            <a:r>
+              <a:rPr lang="zh-CN" altLang="en-US" sz="2000" dirty="0" smtClean="0">
+                <a:latin typeface="微软雅黑" pitchFamily="34" charset="-122"/>
+                <a:ea typeface="微软雅黑" pitchFamily="34" charset="-122"/>
+              </a:rPr>
+              <a:t>：直接运行程序</a:t>
+            </a:r>
+            <a:endParaRPr lang="en-US" altLang="zh-CN" sz="2000" dirty="0" smtClean="0">
+              <a:latin typeface="微软雅黑" pitchFamily="34" charset="-122"/>
+              <a:ea typeface="微软雅黑" pitchFamily="34" charset="-122"/>
+            </a:endParaRPr>
+          </a:p>
+          <a:p>
+            <a:pPr marL="342900" indent="-342900">
+              <a:buFontTx/>
+              <a:buChar char="-"/>
+            </a:pPr>
+            <a:r>
+              <a:rPr lang="en-US" altLang="zh-CN" sz="2000" dirty="0" smtClean="0">
+                <a:latin typeface="微软雅黑" pitchFamily="34" charset="-122"/>
+                <a:ea typeface="微软雅黑" pitchFamily="34" charset="-122"/>
+              </a:rPr>
+              <a:t>go build</a:t>
+            </a:r>
+            <a:r>
+              <a:rPr lang="zh-CN" altLang="en-US" sz="2000" dirty="0" smtClean="0">
+                <a:latin typeface="微软雅黑" pitchFamily="34" charset="-122"/>
+                <a:ea typeface="微软雅黑" pitchFamily="34" charset="-122"/>
+              </a:rPr>
+              <a:t>：测试编译，检查是否有编译错误</a:t>
+            </a:r>
+            <a:endParaRPr lang="en-US" altLang="zh-CN" sz="2000" dirty="0" smtClean="0">
+              <a:latin typeface="微软雅黑" pitchFamily="34" charset="-122"/>
+              <a:ea typeface="微软雅黑" pitchFamily="34" charset="-122"/>
+            </a:endParaRPr>
+          </a:p>
+          <a:p>
+            <a:pPr marL="342900" indent="-342900">
+              <a:buFontTx/>
+              <a:buChar char="-"/>
+            </a:pPr>
+            <a:r>
+              <a:rPr lang="en-US" altLang="zh-CN" sz="2000" dirty="0" smtClean="0">
+                <a:latin typeface="微软雅黑" pitchFamily="34" charset="-122"/>
+                <a:ea typeface="微软雅黑" pitchFamily="34" charset="-122"/>
+              </a:rPr>
+              <a:t>go </a:t>
+            </a:r>
+            <a:r>
+              <a:rPr lang="en-US" altLang="zh-CN" sz="2000" dirty="0" err="1" smtClean="0">
+                <a:latin typeface="微软雅黑" pitchFamily="34" charset="-122"/>
+                <a:ea typeface="微软雅黑" pitchFamily="34" charset="-122"/>
+              </a:rPr>
+              <a:t>fmt</a:t>
+            </a:r>
+            <a:r>
+              <a:rPr lang="zh-CN" altLang="en-US" sz="2000" dirty="0" smtClean="0">
+                <a:latin typeface="微软雅黑" pitchFamily="34" charset="-122"/>
+                <a:ea typeface="微软雅黑" pitchFamily="34" charset="-122"/>
+              </a:rPr>
+              <a:t>：格式化源码（部分</a:t>
+            </a:r>
+            <a:r>
+              <a:rPr lang="en-US" altLang="zh-CN" sz="2000" dirty="0" smtClean="0">
+                <a:latin typeface="微软雅黑" pitchFamily="34" charset="-122"/>
+                <a:ea typeface="微软雅黑" pitchFamily="34" charset="-122"/>
+              </a:rPr>
+              <a:t>IDE</a:t>
+            </a:r>
+            <a:r>
+              <a:rPr lang="zh-CN" altLang="en-US" sz="2000" dirty="0" smtClean="0">
+                <a:latin typeface="微软雅黑" pitchFamily="34" charset="-122"/>
+                <a:ea typeface="微软雅黑" pitchFamily="34" charset="-122"/>
+              </a:rPr>
+              <a:t>在保存时自动调用）</a:t>
+            </a:r>
+            <a:endParaRPr lang="en-US" altLang="zh-CN" sz="2000" dirty="0" smtClean="0">
+              <a:latin typeface="微软雅黑" pitchFamily="34" charset="-122"/>
+              <a:ea typeface="微软雅黑" pitchFamily="34" charset="-122"/>
+            </a:endParaRPr>
+          </a:p>
+          <a:p>
+            <a:pPr marL="342900" indent="-342900">
+              <a:buFontTx/>
+              <a:buChar char="-"/>
+            </a:pPr>
+            <a:r>
+              <a:rPr lang="en-US" altLang="zh-CN" sz="2000" dirty="0" smtClean="0">
+                <a:latin typeface="微软雅黑" pitchFamily="34" charset="-122"/>
+                <a:ea typeface="微软雅黑" pitchFamily="34" charset="-122"/>
+              </a:rPr>
+              <a:t>go install</a:t>
+            </a:r>
+            <a:r>
+              <a:rPr lang="zh-CN" altLang="en-US" sz="2000" dirty="0" smtClean="0">
+                <a:latin typeface="微软雅黑" pitchFamily="34" charset="-122"/>
+                <a:ea typeface="微软雅黑" pitchFamily="34" charset="-122"/>
+              </a:rPr>
+              <a:t>：编译包文件并编译整个程序</a:t>
+            </a:r>
+            <a:endParaRPr lang="en-US" altLang="zh-CN" sz="2000" dirty="0" smtClean="0">
+              <a:latin typeface="微软雅黑" pitchFamily="34" charset="-122"/>
+              <a:ea typeface="微软雅黑" pitchFamily="34" charset="-122"/>
+            </a:endParaRPr>
+          </a:p>
+          <a:p>
+            <a:pPr marL="342900" indent="-342900">
+              <a:buFontTx/>
+              <a:buChar char="-"/>
+            </a:pPr>
+            <a:r>
+              <a:rPr lang="en-US" altLang="zh-CN" sz="2000" dirty="0">
+                <a:latin typeface="微软雅黑" pitchFamily="34" charset="-122"/>
+                <a:ea typeface="微软雅黑" pitchFamily="34" charset="-122"/>
+              </a:rPr>
+              <a:t>g</a:t>
+            </a:r>
+            <a:r>
+              <a:rPr lang="en-US" altLang="zh-CN" sz="2000" dirty="0" smtClean="0">
+                <a:latin typeface="微软雅黑" pitchFamily="34" charset="-122"/>
+                <a:ea typeface="微软雅黑" pitchFamily="34" charset="-122"/>
+              </a:rPr>
+              <a:t>o test</a:t>
+            </a:r>
+            <a:r>
+              <a:rPr lang="zh-CN" altLang="en-US" sz="2000" dirty="0" smtClean="0">
+                <a:latin typeface="微软雅黑" pitchFamily="34" charset="-122"/>
+                <a:ea typeface="微软雅黑" pitchFamily="34" charset="-122"/>
+              </a:rPr>
+              <a:t>：运行测试文件</a:t>
+            </a:r>
+            <a:endParaRPr lang="en-US" altLang="zh-CN" sz="2000" dirty="0" smtClean="0">
+              <a:latin typeface="微软雅黑" pitchFamily="34" charset="-122"/>
+              <a:ea typeface="微软雅黑" pitchFamily="34" charset="-122"/>
+            </a:endParaRPr>
+          </a:p>
+          <a:p>
+            <a:pPr marL="342900" indent="-342900">
+              <a:buFontTx/>
+              <a:buChar char="-"/>
+            </a:pPr>
+            <a:r>
+              <a:rPr lang="en-US" altLang="zh-CN" sz="2000" dirty="0" smtClean="0">
+                <a:latin typeface="微软雅黑" pitchFamily="34" charset="-122"/>
+                <a:ea typeface="微软雅黑" pitchFamily="34" charset="-122"/>
+              </a:rPr>
+              <a:t>g</a:t>
+            </a:r>
+            <a:r>
+              <a:rPr lang="en-US" altLang="zh-CN" sz="2000" dirty="0" smtClean="0">
+                <a:latin typeface="微软雅黑" pitchFamily="34" charset="-122"/>
+                <a:ea typeface="微软雅黑" pitchFamily="34" charset="-122"/>
+              </a:rPr>
+              <a:t>o doc</a:t>
+            </a:r>
+            <a:r>
+              <a:rPr lang="zh-CN" altLang="en-US" sz="2000" dirty="0" smtClean="0">
+                <a:latin typeface="微软雅黑" pitchFamily="34" charset="-122"/>
+                <a:ea typeface="微软雅黑" pitchFamily="34" charset="-122"/>
+              </a:rPr>
+              <a:t>：查看文档（</a:t>
+            </a:r>
+            <a:r>
+              <a:rPr lang="en-US" altLang="zh-CN" sz="2000" dirty="0" smtClean="0">
+                <a:latin typeface="微软雅黑" pitchFamily="34" charset="-122"/>
+                <a:ea typeface="微软雅黑" pitchFamily="34" charset="-122"/>
+                <a:hlinkClick r:id="rId2"/>
+              </a:rPr>
+              <a:t>CHM</a:t>
+            </a:r>
+            <a:r>
+              <a:rPr lang="zh-CN" altLang="en-US" sz="2000" dirty="0">
+                <a:latin typeface="微软雅黑" pitchFamily="34" charset="-122"/>
+                <a:ea typeface="微软雅黑" pitchFamily="34" charset="-122"/>
+                <a:hlinkClick r:id="rId2"/>
+              </a:rPr>
+              <a:t>手册</a:t>
+            </a:r>
+            <a:r>
+              <a:rPr lang="zh-CN" altLang="en-US" sz="2000" dirty="0" smtClean="0">
+                <a:latin typeface="微软雅黑" pitchFamily="34" charset="-122"/>
+                <a:ea typeface="微软雅黑" pitchFamily="34" charset="-122"/>
+              </a:rPr>
+              <a:t>）</a:t>
+            </a:r>
+            <a:endParaRPr lang="en-US" altLang="zh-CN" sz="2000" dirty="0">
+              <a:latin typeface="微软雅黑" pitchFamily="34" charset="-122"/>
+              <a:ea typeface="微软雅黑" pitchFamily="34" charset="-122"/>
+            </a:endParaRPr>
+          </a:p>
+        </p:txBody>
+      </p:sp>
+    </p:spTree>
+    <p:extLst>
+      <p:ext uri="{BB962C8B-B14F-4D97-AF65-F5344CB8AC3E}">
+        <p14:creationId xmlns:p14="http://schemas.microsoft.com/office/powerpoint/2010/main" val="3553639349"/>
+      </p:ext>
+    </p:extLst>
+  </p:cSld>
+  <p:clrMapOvr>
+    <a:masterClrMapping/>
+  </p:clrMapOvr>
+  <p:timing>
+    <p:tnLst>
+      <p:par>
+        <p:cTn id="1" dur="indefinite" restart="never" nodeType="tmRoot"/>
+      </p:par>
+    </p:tnLst>
+  </p:timing>
+</p:sld>
+</file>
+
+<file path=ppt/slides/slide6.xml><?xml version="1.0" encoding="utf-8"?>
+<p:sld xmlns:a="http://schemas.openxmlformats.org/drawingml/2006/main" xmlns:r="http://schemas.openxmlformats.org/officeDocument/2006/relationships" xmlns:p="http://schemas.openxmlformats.org/presentationml/2006/main">
+  <p:cSld>
+    <p:spTree>
+      <p:nvGrpSpPr>
+        <p:cNvPr id="1" name=""/>
+        <p:cNvGrpSpPr/>
+        <p:nvPr/>
+      </p:nvGrpSpPr>
+      <p:grpSpPr>
+        <a:xfrm>
+          <a:off x="0" y="0"/>
+          <a:ext cx="0" cy="0"/>
+          <a:chOff x="0" y="0"/>
+          <a:chExt cx="0" cy="0"/>
+        </a:xfrm>
+      </p:grpSpPr>
+      <p:sp>
+        <p:nvSpPr>
+          <p:cNvPr id="2" name="标题 1"/>
+          <p:cNvSpPr>
+            <a:spLocks noGrp="1"/>
+          </p:cNvSpPr>
+          <p:nvPr>
+            <p:ph type="ctrTitle"/>
+          </p:nvPr>
+        </p:nvSpPr>
+        <p:spPr>
+          <a:xfrm>
+            <a:off x="1475656" y="260648"/>
+            <a:ext cx="5902424" cy="1019199"/>
+          </a:xfrm>
+        </p:spPr>
+        <p:txBody>
+          <a:bodyPr/>
+          <a:lstStyle/>
+          <a:p>
+            <a:r>
+              <a:rPr lang="en-US" altLang="zh-CN" sz="6000" dirty="0" smtClean="0"/>
+              <a:t>Go</a:t>
+            </a:r>
+            <a:r>
+              <a:rPr lang="zh-CN" altLang="en-US" sz="6000" dirty="0" smtClean="0"/>
+              <a:t>编程基础</a:t>
+            </a:r>
+            <a:endParaRPr lang="zh-CN" altLang="en-US" sz="6000" dirty="0"/>
+          </a:p>
+        </p:txBody>
+      </p:sp>
+      <p:sp>
+        <p:nvSpPr>
+          <p:cNvPr id="3" name="副标题 2"/>
+          <p:cNvSpPr>
+            <a:spLocks noGrp="1"/>
+          </p:cNvSpPr>
+          <p:nvPr>
+            <p:ph type="subTitle" idx="1"/>
+          </p:nvPr>
+        </p:nvSpPr>
+        <p:spPr>
+          <a:xfrm>
+            <a:off x="6700192" y="6165304"/>
+            <a:ext cx="1688232" cy="492224"/>
+          </a:xfrm>
+        </p:spPr>
+        <p:txBody>
+          <a:bodyPr>
+            <a:normAutofit fontScale="92500"/>
+          </a:bodyPr>
+          <a:lstStyle/>
+          <a:p>
+            <a:r>
+              <a:rPr lang="zh-CN" altLang="en-US" b="1" dirty="0" smtClean="0">
+                <a:latin typeface="微软雅黑" pitchFamily="34" charset="-122"/>
+                <a:ea typeface="微软雅黑" pitchFamily="34" charset="-122"/>
+              </a:rPr>
+              <a:t>讲师：无闻</a:t>
+            </a:r>
+            <a:endParaRPr lang="zh-CN" altLang="en-US" b="1" dirty="0">
+              <a:latin typeface="微软雅黑" pitchFamily="34" charset="-122"/>
+              <a:ea typeface="微软雅黑" pitchFamily="34" charset="-122"/>
+            </a:endParaRPr>
+          </a:p>
+        </p:txBody>
+      </p:sp>
+      <p:sp>
+        <p:nvSpPr>
+          <p:cNvPr id="4" name="TextBox 3"/>
+          <p:cNvSpPr txBox="1"/>
+          <p:nvPr/>
+        </p:nvSpPr>
+        <p:spPr>
+          <a:xfrm>
+            <a:off x="611560" y="1581826"/>
+            <a:ext cx="1980029" cy="400110"/>
+          </a:xfrm>
+          <a:prstGeom prst="rect">
+            <a:avLst/>
+          </a:prstGeom>
+          <a:noFill/>
+        </p:spPr>
+        <p:txBody>
+          <a:bodyPr wrap="none" rtlCol="0">
+            <a:spAutoFit/>
+          </a:bodyPr>
+          <a:lstStyle/>
+          <a:p>
+            <a:r>
+              <a:rPr lang="zh-CN" altLang="en-US" sz="2000" dirty="0" smtClean="0">
+                <a:latin typeface="微软雅黑" pitchFamily="34" charset="-122"/>
+                <a:ea typeface="微软雅黑" pitchFamily="34" charset="-122"/>
+              </a:rPr>
+              <a:t>程序的整体结构</a:t>
+            </a:r>
+            <a:endParaRPr lang="en-US" altLang="zh-CN" sz="2000" dirty="0">
+              <a:latin typeface="微软雅黑" pitchFamily="34" charset="-122"/>
+              <a:ea typeface="微软雅黑" pitchFamily="34" charset="-122"/>
+            </a:endParaRPr>
+          </a:p>
+        </p:txBody>
+      </p:sp>
+      <p:pic>
+        <p:nvPicPr>
+          <p:cNvPr id="2050" name="Picture 2"/>
+          <p:cNvPicPr>
+            <a:picLocks noChangeAspect="1" noChangeArrowheads="1"/>
+          </p:cNvPicPr>
+          <p:nvPr/>
+        </p:nvPicPr>
+        <p:blipFill>
+          <a:blip r:embed="rId2">
+            <a:extLst>
+              <a:ext uri="{28A0092B-C50C-407E-A947-70E740481C1C}">
+                <a14:useLocalDpi xmlns:a14="http://schemas.microsoft.com/office/drawing/2010/main" val="0"/>
+              </a:ext>
+            </a:extLst>
+          </a:blip>
+          <a:srcRect/>
+          <a:stretch>
+            <a:fillRect/>
+          </a:stretch>
+        </p:blipFill>
+        <p:spPr bwMode="auto">
+          <a:xfrm>
+            <a:off x="2987824" y="1690688"/>
+            <a:ext cx="3473839" cy="4402608"/>
+          </a:xfrm>
+          <a:prstGeom prst="rect">
+            <a:avLst/>
+          </a:prstGeom>
+          <a:noFill/>
+          <a:ln>
+            <a:noFill/>
+          </a:ln>
+          <a:effectLst/>
+          <a:extLst>
+            <a:ext uri="{909E8E84-426E-40DD-AFC4-6F175D3DCCD1}">
+              <a14:hiddenFill xmlns:a14="http://schemas.microsoft.com/office/drawing/2010/main">
+                <a:solidFill>
+                  <a:schemeClr val="accent1"/>
+                </a:solidFill>
+              </a14:hiddenFill>
+            </a:ext>
+            <a:ext uri="{91240B29-F687-4F45-9708-019B960494DF}">
+              <a14:hiddenLine xmlns:a14="http://schemas.microsoft.com/office/drawing/2010/main" w="9525">
+                <a:solidFill>
+                  <a:schemeClr val="tx1"/>
+                </a:solidFill>
+                <a:miter lim="800000"/>
+                <a:headEnd/>
+                <a:tailEnd/>
+              </a14:hiddenLine>
+            </a:ext>
+            <a:ext uri="{AF507438-7753-43E0-B8FC-AC1667EBCBE1}">
+              <a14:hiddenEffects xmlns:a14="http://schemas.microsoft.com/office/drawing/2010/main">
+                <a:effectLst>
+                  <a:outerShdw dist="35921" dir="2700000" algn="ctr" rotWithShape="0">
+                    <a:schemeClr val="bg2"/>
+                  </a:outerShdw>
+                </a:effectLst>
+              </a14:hiddenEffects>
+            </a:ext>
+          </a:extLst>
+        </p:spPr>
+      </p:pic>
+    </p:spTree>
+    <p:extLst>
+      <p:ext uri="{BB962C8B-B14F-4D97-AF65-F5344CB8AC3E}">
+        <p14:creationId xmlns:p14="http://schemas.microsoft.com/office/powerpoint/2010/main" val="1798078880"/>
+      </p:ext>
+    </p:extLst>
+  </p:cSld>
+  <p:clrMapOvr>
+    <a:masterClrMapping/>
+  </p:clrMapOvr>
+  <p:timing>
+    <p:tnLst>
+      <p:par>
+        <p:cTn id="1" dur="indefinite" restart="never" nodeType="tmRoot"/>
+      </p:par>
+    </p:tnLst>
+  </p:timing>
+</p:sld>
+</file>
+
+<file path=ppt/slides/slide7.xml><?xml version="1.0" encoding="utf-8"?>
+<p:sld xmlns:a="http://schemas.openxmlformats.org/drawingml/2006/main" xmlns:r="http://schemas.openxmlformats.org/officeDocument/2006/relationships" xmlns:p="http://schemas.openxmlformats.org/presentationml/2006/main">
+  <p:cSld>
+    <p:spTree>
+      <p:nvGrpSpPr>
+        <p:cNvPr id="1" name=""/>
+        <p:cNvGrpSpPr/>
+        <p:nvPr/>
+      </p:nvGrpSpPr>
+      <p:grpSpPr>
+        <a:xfrm>
+          <a:off x="0" y="0"/>
+          <a:ext cx="0" cy="0"/>
+          <a:chOff x="0" y="0"/>
+          <a:chExt cx="0" cy="0"/>
+        </a:xfrm>
+      </p:grpSpPr>
+      <p:sp>
+        <p:nvSpPr>
+          <p:cNvPr id="2" name="标题 1"/>
+          <p:cNvSpPr>
+            <a:spLocks noGrp="1"/>
+          </p:cNvSpPr>
+          <p:nvPr>
+            <p:ph type="ctrTitle"/>
+          </p:nvPr>
+        </p:nvSpPr>
+        <p:spPr>
+          <a:xfrm>
+            <a:off x="1475656" y="260648"/>
+            <a:ext cx="5902424" cy="1019199"/>
+          </a:xfrm>
+        </p:spPr>
+        <p:txBody>
+          <a:bodyPr/>
+          <a:lstStyle/>
+          <a:p>
+            <a:r>
+              <a:rPr lang="en-US" altLang="zh-CN" sz="6000" dirty="0" smtClean="0"/>
+              <a:t>Go</a:t>
+            </a:r>
+            <a:r>
+              <a:rPr lang="zh-CN" altLang="en-US" sz="6000" dirty="0" smtClean="0"/>
+              <a:t>编程基础</a:t>
+            </a:r>
+            <a:endParaRPr lang="zh-CN" altLang="en-US" sz="6000" dirty="0"/>
+          </a:p>
+        </p:txBody>
+      </p:sp>
+      <p:sp>
+        <p:nvSpPr>
+          <p:cNvPr id="3" name="副标题 2"/>
+          <p:cNvSpPr>
+            <a:spLocks noGrp="1"/>
+          </p:cNvSpPr>
+          <p:nvPr>
+            <p:ph type="subTitle" idx="1"/>
+          </p:nvPr>
+        </p:nvSpPr>
+        <p:spPr>
+          <a:xfrm>
+            <a:off x="6700192" y="6165304"/>
+            <a:ext cx="1688232" cy="492224"/>
+          </a:xfrm>
+        </p:spPr>
+        <p:txBody>
+          <a:bodyPr>
+            <a:normAutofit fontScale="92500"/>
+          </a:bodyPr>
+          <a:lstStyle/>
+          <a:p>
+            <a:r>
+              <a:rPr lang="zh-CN" altLang="en-US" b="1" dirty="0" smtClean="0">
+                <a:latin typeface="微软雅黑" pitchFamily="34" charset="-122"/>
+                <a:ea typeface="微软雅黑" pitchFamily="34" charset="-122"/>
+              </a:rPr>
+              <a:t>讲师：无闻</a:t>
+            </a:r>
+            <a:endParaRPr lang="zh-CN" altLang="en-US" b="1" dirty="0">
+              <a:latin typeface="微软雅黑" pitchFamily="34" charset="-122"/>
+              <a:ea typeface="微软雅黑" pitchFamily="34" charset="-122"/>
+            </a:endParaRPr>
+          </a:p>
+        </p:txBody>
+      </p:sp>
+      <p:sp>
+        <p:nvSpPr>
+          <p:cNvPr id="4" name="TextBox 3"/>
+          <p:cNvSpPr txBox="1"/>
+          <p:nvPr/>
+        </p:nvSpPr>
+        <p:spPr>
+          <a:xfrm>
+            <a:off x="611560" y="1581826"/>
+            <a:ext cx="6439583" cy="3170099"/>
+          </a:xfrm>
+          <a:prstGeom prst="rect">
+            <a:avLst/>
+          </a:prstGeom>
+          <a:noFill/>
+        </p:spPr>
+        <p:txBody>
+          <a:bodyPr wrap="none" rtlCol="0">
+            <a:spAutoFit/>
+          </a:bodyPr>
+          <a:lstStyle/>
+          <a:p>
+            <a:r>
+              <a:rPr lang="en-US" altLang="zh-CN" sz="2000" dirty="0" smtClean="0">
+                <a:latin typeface="微软雅黑" pitchFamily="34" charset="-122"/>
+                <a:ea typeface="微软雅黑" pitchFamily="34" charset="-122"/>
+              </a:rPr>
+              <a:t>Go</a:t>
+            </a:r>
+            <a:r>
+              <a:rPr lang="zh-CN" altLang="en-US" sz="2000" dirty="0" smtClean="0">
+                <a:latin typeface="微软雅黑" pitchFamily="34" charset="-122"/>
+                <a:ea typeface="微软雅黑" pitchFamily="34" charset="-122"/>
+              </a:rPr>
+              <a:t>开发工具安装及配置</a:t>
+            </a:r>
+            <a:endParaRPr lang="en-US" altLang="zh-CN" sz="2000" dirty="0" smtClean="0">
+              <a:latin typeface="微软雅黑" pitchFamily="34" charset="-122"/>
+              <a:ea typeface="微软雅黑" pitchFamily="34" charset="-122"/>
+            </a:endParaRPr>
+          </a:p>
+          <a:p>
+            <a:endParaRPr lang="en-US" altLang="zh-CN" sz="2000" dirty="0" smtClean="0">
+              <a:latin typeface="微软雅黑" pitchFamily="34" charset="-122"/>
+              <a:ea typeface="微软雅黑" pitchFamily="34" charset="-122"/>
+            </a:endParaRPr>
+          </a:p>
+          <a:p>
+            <a:pPr marL="342900" indent="-342900">
+              <a:buFontTx/>
+              <a:buChar char="-"/>
+            </a:pPr>
+            <a:r>
+              <a:rPr lang="zh-CN" altLang="en-US" sz="2000" dirty="0" smtClean="0">
+                <a:latin typeface="微软雅黑" pitchFamily="34" charset="-122"/>
+                <a:ea typeface="微软雅黑" pitchFamily="34" charset="-122"/>
+              </a:rPr>
+              <a:t>本套教程主要使用 </a:t>
+            </a:r>
+            <a:r>
+              <a:rPr lang="en-US" altLang="zh-CN" sz="2000" dirty="0" smtClean="0">
+                <a:latin typeface="微软雅黑" pitchFamily="34" charset="-122"/>
+                <a:ea typeface="微软雅黑" pitchFamily="34" charset="-122"/>
+              </a:rPr>
+              <a:t>Sublime Text</a:t>
+            </a:r>
+          </a:p>
+          <a:p>
+            <a:pPr marL="342900" indent="-342900">
+              <a:buFontTx/>
+              <a:buChar char="-"/>
+            </a:pPr>
+            <a:r>
+              <a:rPr lang="zh-CN" altLang="en-US" sz="2000" dirty="0" smtClean="0">
+                <a:latin typeface="微软雅黑" pitchFamily="34" charset="-122"/>
+                <a:ea typeface="微软雅黑" pitchFamily="34" charset="-122"/>
+              </a:rPr>
+              <a:t>其它</a:t>
+            </a:r>
+            <a:r>
+              <a:rPr lang="en-US" altLang="zh-CN" sz="2000" dirty="0" smtClean="0">
+                <a:latin typeface="微软雅黑" pitchFamily="34" charset="-122"/>
+                <a:ea typeface="微软雅黑" pitchFamily="34" charset="-122"/>
+              </a:rPr>
+              <a:t>IDE</a:t>
+            </a:r>
+            <a:r>
+              <a:rPr lang="zh-CN" altLang="en-US" sz="2000" dirty="0" smtClean="0">
+                <a:latin typeface="微软雅黑" pitchFamily="34" charset="-122"/>
+                <a:ea typeface="微软雅黑" pitchFamily="34" charset="-122"/>
+              </a:rPr>
+              <a:t>安装方案：</a:t>
+            </a:r>
+            <a:r>
+              <a:rPr lang="zh-CN" altLang="en-US" sz="2000" dirty="0" smtClean="0">
+                <a:latin typeface="微软雅黑" pitchFamily="34" charset="-122"/>
+                <a:ea typeface="微软雅黑" pitchFamily="34" charset="-122"/>
+                <a:hlinkClick r:id="rId2"/>
+              </a:rPr>
+              <a:t>参考链接</a:t>
+            </a:r>
+            <a:endParaRPr lang="en-US" altLang="zh-CN" sz="2000" dirty="0" smtClean="0">
+              <a:latin typeface="微软雅黑" pitchFamily="34" charset="-122"/>
+              <a:ea typeface="微软雅黑" pitchFamily="34" charset="-122"/>
+            </a:endParaRPr>
+          </a:p>
+          <a:p>
+            <a:pPr marL="342900" indent="-342900">
+              <a:buFontTx/>
+              <a:buChar char="-"/>
+            </a:pPr>
+            <a:endParaRPr lang="en-US" altLang="zh-CN" sz="2000" dirty="0">
+              <a:latin typeface="微软雅黑" pitchFamily="34" charset="-122"/>
+              <a:ea typeface="微软雅黑" pitchFamily="34" charset="-122"/>
+            </a:endParaRPr>
+          </a:p>
+          <a:p>
+            <a:r>
+              <a:rPr lang="en-US" altLang="zh-CN" sz="2000" dirty="0" smtClean="0">
+                <a:latin typeface="微软雅黑" pitchFamily="34" charset="-122"/>
+                <a:ea typeface="微软雅黑" pitchFamily="34" charset="-122"/>
+              </a:rPr>
+              <a:t>Sublime Text</a:t>
+            </a:r>
+          </a:p>
+          <a:p>
+            <a:endParaRPr lang="en-US" altLang="zh-CN" sz="2000" dirty="0">
+              <a:latin typeface="微软雅黑" pitchFamily="34" charset="-122"/>
+              <a:ea typeface="微软雅黑" pitchFamily="34" charset="-122"/>
+            </a:endParaRPr>
+          </a:p>
+          <a:p>
+            <a:pPr marL="342900" indent="-342900">
+              <a:buFontTx/>
+              <a:buChar char="-"/>
+            </a:pPr>
+            <a:r>
+              <a:rPr lang="zh-CN" altLang="en-US" sz="2000" dirty="0" smtClean="0">
+                <a:latin typeface="微软雅黑" pitchFamily="34" charset="-122"/>
+                <a:ea typeface="微软雅黑" pitchFamily="34" charset="-122"/>
+              </a:rPr>
+              <a:t>下载</a:t>
+            </a:r>
+            <a:r>
+              <a:rPr lang="en-US" altLang="zh-CN" sz="2000" dirty="0" smtClean="0">
+                <a:latin typeface="微软雅黑" pitchFamily="34" charset="-122"/>
+                <a:ea typeface="微软雅黑" pitchFamily="34" charset="-122"/>
+              </a:rPr>
+              <a:t>Sublime Text</a:t>
+            </a:r>
+            <a:r>
+              <a:rPr lang="zh-CN" altLang="en-US" sz="2000" dirty="0" smtClean="0">
+                <a:latin typeface="微软雅黑" pitchFamily="34" charset="-122"/>
+                <a:ea typeface="微软雅黑" pitchFamily="34" charset="-122"/>
+              </a:rPr>
+              <a:t>：</a:t>
+            </a:r>
+            <a:r>
+              <a:rPr lang="zh-CN" altLang="en-US" sz="2000" dirty="0" smtClean="0">
+                <a:latin typeface="微软雅黑" pitchFamily="34" charset="-122"/>
+                <a:ea typeface="微软雅黑" pitchFamily="34" charset="-122"/>
+                <a:hlinkClick r:id="rId3"/>
+              </a:rPr>
+              <a:t>官方网站</a:t>
+            </a:r>
+            <a:endParaRPr lang="en-US" altLang="zh-CN" sz="2000" dirty="0" smtClean="0">
+              <a:latin typeface="微软雅黑" pitchFamily="34" charset="-122"/>
+              <a:ea typeface="微软雅黑" pitchFamily="34" charset="-122"/>
+            </a:endParaRPr>
+          </a:p>
+          <a:p>
+            <a:pPr marL="342900" indent="-342900">
+              <a:buFontTx/>
+              <a:buChar char="-"/>
+            </a:pPr>
+            <a:r>
+              <a:rPr lang="zh-CN" altLang="en-US" sz="2000" dirty="0" smtClean="0">
+                <a:latin typeface="微软雅黑" pitchFamily="34" charset="-122"/>
+                <a:ea typeface="微软雅黑" pitchFamily="34" charset="-122"/>
+              </a:rPr>
+              <a:t>安装</a:t>
+            </a:r>
+            <a:r>
+              <a:rPr lang="en-US" altLang="zh-CN" sz="2000" dirty="0" err="1" smtClean="0">
+                <a:latin typeface="微软雅黑" pitchFamily="34" charset="-122"/>
+                <a:ea typeface="微软雅黑" pitchFamily="34" charset="-122"/>
+              </a:rPr>
+              <a:t>gosublime</a:t>
+            </a:r>
+            <a:r>
+              <a:rPr lang="zh-CN" altLang="en-US" sz="2000" dirty="0" smtClean="0">
+                <a:latin typeface="微软雅黑" pitchFamily="34" charset="-122"/>
+                <a:ea typeface="微软雅黑" pitchFamily="34" charset="-122"/>
+              </a:rPr>
+              <a:t>（破解版可能无法安装）：</a:t>
+            </a:r>
+            <a:r>
+              <a:rPr lang="zh-CN" altLang="en-US" sz="2000" dirty="0" smtClean="0">
+                <a:latin typeface="微软雅黑" pitchFamily="34" charset="-122"/>
+                <a:ea typeface="微软雅黑" pitchFamily="34" charset="-122"/>
+                <a:hlinkClick r:id="rId4"/>
+              </a:rPr>
+              <a:t>安装指令</a:t>
+            </a:r>
+            <a:endParaRPr lang="en-US" altLang="zh-CN" sz="2000" dirty="0">
+              <a:latin typeface="微软雅黑" pitchFamily="34" charset="-122"/>
+              <a:ea typeface="微软雅黑" pitchFamily="34" charset="-122"/>
+            </a:endParaRPr>
+          </a:p>
+          <a:p>
+            <a:pPr marL="342900" indent="-342900">
+              <a:buFontTx/>
+              <a:buChar char="-"/>
+            </a:pPr>
+            <a:r>
+              <a:rPr lang="en-US" altLang="zh-CN" sz="2000" dirty="0" smtClean="0">
+                <a:latin typeface="微软雅黑" pitchFamily="34" charset="-122"/>
+                <a:ea typeface="微软雅黑" pitchFamily="34" charset="-122"/>
+                <a:hlinkClick r:id="rId5"/>
+              </a:rPr>
+              <a:t>Sublime Text 2 </a:t>
+            </a:r>
+            <a:r>
+              <a:rPr lang="zh-CN" altLang="en-US" sz="2000" dirty="0" smtClean="0">
+                <a:latin typeface="微软雅黑" pitchFamily="34" charset="-122"/>
+                <a:ea typeface="微软雅黑" pitchFamily="34" charset="-122"/>
+                <a:hlinkClick r:id="rId5"/>
+              </a:rPr>
+              <a:t>入门及技巧</a:t>
+            </a:r>
+            <a:endParaRPr lang="en-US" altLang="zh-CN" sz="2000" dirty="0" smtClean="0">
+              <a:latin typeface="微软雅黑" pitchFamily="34" charset="-122"/>
+              <a:ea typeface="微软雅黑" pitchFamily="34" charset="-122"/>
+            </a:endParaRPr>
+          </a:p>
+        </p:txBody>
+      </p:sp>
+    </p:spTree>
+    <p:extLst>
+      <p:ext uri="{BB962C8B-B14F-4D97-AF65-F5344CB8AC3E}">
+        <p14:creationId xmlns:p14="http://schemas.microsoft.com/office/powerpoint/2010/main" val="1398050821"/>
+      </p:ext>
+    </p:extLst>
+  </p:cSld>
+  <p:clrMapOvr>
+    <a:masterClrMapping/>
+  </p:clrMapOvr>
+  <p:timing>
+    <p:tnLst>
+      <p:par>
+        <p:cTn id="1" dur="indefinite" restart="never" nodeType="tmRoot"/>
+      </p:par>
+    </p:tnLst>
+  </p:timing>
+</p:sld>
+</file>
+
+<file path=ppt/slides/slide8.xml><?xml version="1.0" encoding="utf-8"?>
+<p:sld xmlns:a="http://schemas.openxmlformats.org/drawingml/2006/main" xmlns:r="http://schemas.openxmlformats.org/officeDocument/2006/relationships" xmlns:p="http://schemas.openxmlformats.org/presentationml/2006/main">
+  <p:cSld>
+    <p:spTree>
+      <p:nvGrpSpPr>
+        <p:cNvPr id="1" name=""/>
+        <p:cNvGrpSpPr/>
+        <p:nvPr/>
+      </p:nvGrpSpPr>
+      <p:grpSpPr>
+        <a:xfrm>
+          <a:off x="0" y="0"/>
+          <a:ext cx="0" cy="0"/>
+          <a:chOff x="0" y="0"/>
+          <a:chExt cx="0" cy="0"/>
+        </a:xfrm>
+      </p:grpSpPr>
+      <p:sp>
+        <p:nvSpPr>
+          <p:cNvPr id="2" name="标题 1"/>
+          <p:cNvSpPr>
+            <a:spLocks noGrp="1"/>
+          </p:cNvSpPr>
+          <p:nvPr>
+            <p:ph type="ctrTitle"/>
+          </p:nvPr>
+        </p:nvSpPr>
+        <p:spPr>
+          <a:xfrm>
+            <a:off x="1475656" y="260648"/>
+            <a:ext cx="5902424" cy="1019199"/>
+          </a:xfrm>
+        </p:spPr>
+        <p:txBody>
+          <a:bodyPr/>
+          <a:lstStyle/>
+          <a:p>
+            <a:r>
+              <a:rPr lang="en-US" altLang="zh-CN" sz="6000" dirty="0" smtClean="0"/>
+              <a:t>Go</a:t>
+            </a:r>
+            <a:r>
+              <a:rPr lang="zh-CN" altLang="en-US" sz="6000" dirty="0" smtClean="0"/>
+              <a:t>编程基础</a:t>
+            </a:r>
+            <a:endParaRPr lang="zh-CN" altLang="en-US" sz="6000" dirty="0"/>
+          </a:p>
+        </p:txBody>
+      </p:sp>
+      <p:sp>
+        <p:nvSpPr>
+          <p:cNvPr id="3" name="副标题 2"/>
+          <p:cNvSpPr>
+            <a:spLocks noGrp="1"/>
+          </p:cNvSpPr>
+          <p:nvPr>
+            <p:ph type="subTitle" idx="1"/>
+          </p:nvPr>
+        </p:nvSpPr>
+        <p:spPr>
+          <a:xfrm>
+            <a:off x="6700192" y="6165304"/>
+            <a:ext cx="1688232" cy="492224"/>
+          </a:xfrm>
+        </p:spPr>
+        <p:txBody>
+          <a:bodyPr>
+            <a:normAutofit fontScale="92500"/>
+          </a:bodyPr>
+          <a:lstStyle/>
+          <a:p>
+            <a:r>
+              <a:rPr lang="zh-CN" altLang="en-US" b="1" dirty="0" smtClean="0">
+                <a:latin typeface="微软雅黑" pitchFamily="34" charset="-122"/>
+                <a:ea typeface="微软雅黑" pitchFamily="34" charset="-122"/>
+              </a:rPr>
+              <a:t>讲师：无闻</a:t>
+            </a:r>
+            <a:endParaRPr lang="zh-CN" altLang="en-US" b="1" dirty="0">
+              <a:latin typeface="微软雅黑" pitchFamily="34" charset="-122"/>
+              <a:ea typeface="微软雅黑" pitchFamily="34" charset="-122"/>
+            </a:endParaRPr>
+          </a:p>
+        </p:txBody>
+      </p:sp>
+      <p:sp>
+        <p:nvSpPr>
+          <p:cNvPr id="4" name="TextBox 3"/>
+          <p:cNvSpPr txBox="1"/>
+          <p:nvPr/>
+        </p:nvSpPr>
+        <p:spPr>
+          <a:xfrm>
+            <a:off x="611560" y="1581826"/>
+            <a:ext cx="3317768" cy="400110"/>
+          </a:xfrm>
+          <a:prstGeom prst="rect">
+            <a:avLst/>
+          </a:prstGeom>
+          <a:noFill/>
+        </p:spPr>
+        <p:txBody>
+          <a:bodyPr wrap="none" rtlCol="0">
+            <a:spAutoFit/>
+          </a:bodyPr>
+          <a:lstStyle/>
+          <a:p>
+            <a:r>
+              <a:rPr lang="en-US" altLang="zh-CN" sz="2000" dirty="0" smtClean="0">
+                <a:latin typeface="微软雅黑" pitchFamily="34" charset="-122"/>
+                <a:ea typeface="微软雅黑" pitchFamily="34" charset="-122"/>
+              </a:rPr>
+              <a:t>Go</a:t>
+            </a:r>
+            <a:r>
+              <a:rPr lang="zh-CN" altLang="en-US" sz="2000" dirty="0" smtClean="0">
+                <a:latin typeface="微软雅黑" pitchFamily="34" charset="-122"/>
+                <a:ea typeface="微软雅黑" pitchFamily="34" charset="-122"/>
+              </a:rPr>
+              <a:t>语言版</a:t>
+            </a:r>
+            <a:r>
+              <a:rPr lang="en-US" altLang="zh-CN" sz="2000" dirty="0" smtClean="0">
+                <a:latin typeface="微软雅黑" pitchFamily="34" charset="-122"/>
+                <a:ea typeface="微软雅黑" pitchFamily="34" charset="-122"/>
+              </a:rPr>
+              <a:t>”Hello world!”</a:t>
+            </a:r>
+          </a:p>
+        </p:txBody>
+      </p:sp>
+      <p:pic>
+        <p:nvPicPr>
+          <p:cNvPr id="3074" name="Picture 2"/>
+          <p:cNvPicPr>
+            <a:picLocks noChangeAspect="1" noChangeArrowheads="1"/>
+          </p:cNvPicPr>
+          <p:nvPr/>
+        </p:nvPicPr>
+        <p:blipFill>
+          <a:blip r:embed="rId2">
+            <a:extLst>
+              <a:ext uri="{28A0092B-C50C-407E-A947-70E740481C1C}">
+                <a14:useLocalDpi xmlns:a14="http://schemas.microsoft.com/office/drawing/2010/main" val="0"/>
+              </a:ext>
+            </a:extLst>
+          </a:blip>
+          <a:srcRect/>
+          <a:stretch>
+            <a:fillRect/>
+          </a:stretch>
+        </p:blipFill>
+        <p:spPr bwMode="auto">
+          <a:xfrm>
+            <a:off x="2123728" y="2132856"/>
+            <a:ext cx="4392488" cy="1938272"/>
+          </a:xfrm>
+          <a:prstGeom prst="rect">
+            <a:avLst/>
+          </a:prstGeom>
+          <a:noFill/>
+          <a:ln>
+            <a:noFill/>
+          </a:ln>
+          <a:effectLst/>
+          <a:extLst>
+            <a:ext uri="{909E8E84-426E-40DD-AFC4-6F175D3DCCD1}">
+              <a14:hiddenFill xmlns:a14="http://schemas.microsoft.com/office/drawing/2010/main">
+                <a:solidFill>
+                  <a:schemeClr val="accent1"/>
+                </a:solidFill>
+              </a14:hiddenFill>
+            </a:ext>
+            <a:ext uri="{91240B29-F687-4F45-9708-019B960494DF}">
+              <a14:hiddenLine xmlns:a14="http://schemas.microsoft.com/office/drawing/2010/main" w="9525">
+                <a:solidFill>
+                  <a:schemeClr val="tx1"/>
+                </a:solidFill>
+                <a:miter lim="800000"/>
+                <a:headEnd/>
+                <a:tailEnd/>
+              </a14:hiddenLine>
+            </a:ext>
+            <a:ext uri="{AF507438-7753-43E0-B8FC-AC1667EBCBE1}">
+              <a14:hiddenEffects xmlns:a14="http://schemas.microsoft.com/office/drawing/2010/main">
+                <a:effectLst>
+                  <a:outerShdw dist="35921" dir="2700000" algn="ctr" rotWithShape="0">
+                    <a:schemeClr val="bg2"/>
+                  </a:outerShdw>
+                </a:effectLst>
+              </a14:hiddenEffects>
+            </a:ext>
+          </a:extLst>
+        </p:spPr>
+      </p:pic>
+      <p:sp>
+        <p:nvSpPr>
+          <p:cNvPr id="6" name="TextBox 5"/>
+          <p:cNvSpPr txBox="1"/>
+          <p:nvPr/>
+        </p:nvSpPr>
+        <p:spPr>
+          <a:xfrm>
+            <a:off x="611560" y="4354151"/>
+            <a:ext cx="954107" cy="400110"/>
+          </a:xfrm>
+          <a:prstGeom prst="rect">
+            <a:avLst/>
+          </a:prstGeom>
+          <a:noFill/>
+        </p:spPr>
+        <p:txBody>
+          <a:bodyPr wrap="none" rtlCol="0">
+            <a:spAutoFit/>
+          </a:bodyPr>
+          <a:lstStyle/>
+          <a:p>
+            <a:r>
+              <a:rPr lang="zh-CN" altLang="en-US" sz="2000" dirty="0" smtClean="0">
+                <a:latin typeface="微软雅黑" pitchFamily="34" charset="-122"/>
+                <a:ea typeface="微软雅黑" pitchFamily="34" charset="-122"/>
+              </a:rPr>
+              <a:t>输出：</a:t>
+            </a:r>
+            <a:endParaRPr lang="en-US" altLang="zh-CN" sz="2000" dirty="0" smtClean="0">
+              <a:latin typeface="微软雅黑" pitchFamily="34" charset="-122"/>
+              <a:ea typeface="微软雅黑" pitchFamily="34" charset="-122"/>
+            </a:endParaRPr>
+          </a:p>
+        </p:txBody>
+      </p:sp>
+      <p:pic>
+        <p:nvPicPr>
+          <p:cNvPr id="3075" name="Picture 3"/>
+          <p:cNvPicPr>
+            <a:picLocks noChangeAspect="1" noChangeArrowheads="1"/>
+          </p:cNvPicPr>
+          <p:nvPr/>
+        </p:nvPicPr>
+        <p:blipFill>
+          <a:blip r:embed="rId3">
+            <a:extLst>
+              <a:ext uri="{28A0092B-C50C-407E-A947-70E740481C1C}">
+                <a14:useLocalDpi xmlns:a14="http://schemas.microsoft.com/office/drawing/2010/main" val="0"/>
+              </a:ext>
+            </a:extLst>
+          </a:blip>
+          <a:srcRect/>
+          <a:stretch>
+            <a:fillRect/>
+          </a:stretch>
+        </p:blipFill>
+        <p:spPr bwMode="auto">
+          <a:xfrm>
+            <a:off x="1979713" y="5001298"/>
+            <a:ext cx="4536504" cy="494075"/>
+          </a:xfrm>
+          <a:prstGeom prst="rect">
+            <a:avLst/>
+          </a:prstGeom>
+          <a:noFill/>
+          <a:ln>
+            <a:noFill/>
+          </a:ln>
+          <a:effectLst/>
+          <a:extLst>
+            <a:ext uri="{909E8E84-426E-40DD-AFC4-6F175D3DCCD1}">
+              <a14:hiddenFill xmlns:a14="http://schemas.microsoft.com/office/drawing/2010/main">
+                <a:solidFill>
+                  <a:schemeClr val="accent1"/>
+                </a:solidFill>
+              </a14:hiddenFill>
+            </a:ext>
+            <a:ext uri="{91240B29-F687-4F45-9708-019B960494DF}">
+              <a14:hiddenLine xmlns:a14="http://schemas.microsoft.com/office/drawing/2010/main" w="9525">
+                <a:solidFill>
+                  <a:schemeClr val="tx1"/>
+                </a:solidFill>
+                <a:miter lim="800000"/>
+                <a:headEnd/>
+                <a:tailEnd/>
+              </a14:hiddenLine>
+            </a:ext>
+            <a:ext uri="{AF507438-7753-43E0-B8FC-AC1667EBCBE1}">
+              <a14:hiddenEffects xmlns:a14="http://schemas.microsoft.com/office/drawing/2010/main">
+                <a:effectLst>
+                  <a:outerShdw dist="35921" dir="2700000" algn="ctr" rotWithShape="0">
+                    <a:schemeClr val="bg2"/>
+                  </a:outerShdw>
+                </a:effectLst>
+              </a14:hiddenEffects>
+            </a:ext>
+          </a:extLst>
+        </p:spPr>
+      </p:pic>
+    </p:spTree>
+    <p:extLst>
+      <p:ext uri="{BB962C8B-B14F-4D97-AF65-F5344CB8AC3E}">
+        <p14:creationId xmlns:p14="http://schemas.microsoft.com/office/powerpoint/2010/main" val="505380332"/>
+      </p:ext>
+    </p:extLst>
+  </p:cSld>
+  <p:clrMapOvr>
+    <a:masterClrMapping/>
+  </p:clrMapOvr>
+  <p:timing>
+    <p:tnLst>
+      <p:par>
+        <p:cTn id="1" dur="indefinite" restart="never" nodeType="tmRoot"/>
+      </p:par>
+    </p:tnLst>
+  </p:timing>
+</p:sld>
+</file>
+
+<file path=ppt/slides/slide9.xml><?xml version="1.0" encoding="utf-8"?>
 <p:sld xmlns:a="http://schemas.openxmlformats.org/drawingml/2006/main" xmlns:r="http://schemas.openxmlformats.org/officeDocument/2006/relationships" xmlns:p="http://schemas.openxmlformats.org/presentationml/2006/main">
   <p:cSld>
     <p:spTree>
